--- a/AdvOS/PPT+papers/L03-Meltdown&Spectre.pptx
+++ b/AdvOS/PPT+papers/L03-Meltdown&Spectre.pptx
@@ -5,7 +5,7 @@
     <p:sldMasterId id="2147483648" r:id="rId1"/>
   </p:sldMasterIdLst>
   <p:notesMasterIdLst>
-    <p:notesMasterId r:id="rId34"/>
+    <p:notesMasterId r:id="rId35"/>
   </p:notesMasterIdLst>
   <p:sldIdLst>
     <p:sldId id="256" r:id="rId2"/>
@@ -23,23 +23,24 @@
     <p:sldId id="261" r:id="rId14"/>
     <p:sldId id="260" r:id="rId15"/>
     <p:sldId id="798" r:id="rId16"/>
-    <p:sldId id="267" r:id="rId17"/>
-    <p:sldId id="268" r:id="rId18"/>
-    <p:sldId id="799" r:id="rId19"/>
-    <p:sldId id="292" r:id="rId20"/>
-    <p:sldId id="791" r:id="rId21"/>
-    <p:sldId id="797" r:id="rId22"/>
-    <p:sldId id="789" r:id="rId23"/>
-    <p:sldId id="782" r:id="rId24"/>
-    <p:sldId id="766" r:id="rId25"/>
-    <p:sldId id="289" r:id="rId26"/>
-    <p:sldId id="275" r:id="rId27"/>
-    <p:sldId id="277" r:id="rId28"/>
-    <p:sldId id="287" r:id="rId29"/>
-    <p:sldId id="800" r:id="rId30"/>
-    <p:sldId id="802" r:id="rId31"/>
-    <p:sldId id="801" r:id="rId32"/>
-    <p:sldId id="803" r:id="rId33"/>
+    <p:sldId id="265" r:id="rId17"/>
+    <p:sldId id="267" r:id="rId18"/>
+    <p:sldId id="268" r:id="rId19"/>
+    <p:sldId id="799" r:id="rId20"/>
+    <p:sldId id="292" r:id="rId21"/>
+    <p:sldId id="791" r:id="rId22"/>
+    <p:sldId id="797" r:id="rId23"/>
+    <p:sldId id="789" r:id="rId24"/>
+    <p:sldId id="782" r:id="rId25"/>
+    <p:sldId id="766" r:id="rId26"/>
+    <p:sldId id="289" r:id="rId27"/>
+    <p:sldId id="275" r:id="rId28"/>
+    <p:sldId id="277" r:id="rId29"/>
+    <p:sldId id="287" r:id="rId30"/>
+    <p:sldId id="800" r:id="rId31"/>
+    <p:sldId id="802" r:id="rId32"/>
+    <p:sldId id="801" r:id="rId33"/>
+    <p:sldId id="803" r:id="rId34"/>
   </p:sldIdLst>
   <p:sldSz cx="9144000" cy="6858000" type="screen4x3"/>
   <p:notesSz cx="6858000" cy="9144000"/>
@@ -179,7 +180,7 @@
       <inkml:brushProperty name="color" value="#3165BB"/>
     </inkml:brush>
   </inkml:definitions>
-  <inkml:trace contextRef="#ctx0" brushRef="#br0">1 1,'9833'0,"-9833"9860,-9833-9860,9833-9860</inkml:trace>
+  <inkml:trace contextRef="#ctx0" brushRef="#br0">1 1,'3957'0,"-3957"4600,-3957-4600,3957-4600</inkml:trace>
 </inkml:ink>
 </file>
 
@@ -318,7 +319,7 @@
             <a:fld id="{7C0CEB4B-0D62-444C-A05C-70565453F06B}" type="datetimeFigureOut">
               <a:rPr lang="en-US" smtClean="0"/>
               <a:pPr/>
-              <a:t>5/5/2020</a:t>
+              <a:t>5/6/2020</a:t>
             </a:fld>
             <a:endParaRPr lang="en-US"/>
           </a:p>
@@ -709,7 +710,199 @@
           <a:bodyPr/>
           <a:lstStyle/>
           <a:p>
-            <a:endParaRPr lang="en-US" dirty="0"/>
+            <a:pPr rtl="0" eaLnBrk="1" fontAlgn="t" latinLnBrk="0" hangingPunct="1"/>
+            <a:r>
+              <a:rPr lang="en-US" sz="1200" b="1" i="0" u="none" strike="noStrike" kern="1200" dirty="0">
+                <a:solidFill>
+                  <a:schemeClr val="tx1"/>
+                </a:solidFill>
+                <a:effectLst/>
+                <a:latin typeface="+mn-lt"/>
+                <a:ea typeface="+mn-ea"/>
+                <a:cs typeface="+mn-cs"/>
+              </a:rPr>
+              <a:t>Plays two </a:t>
+            </a:r>
+            <a:r>
+              <a:rPr lang="en-US" sz="1200" b="1" i="0" u="none" strike="noStrike" kern="1200" dirty="0" err="1">
+                <a:solidFill>
+                  <a:schemeClr val="tx1"/>
+                </a:solidFill>
+                <a:effectLst/>
+                <a:latin typeface="+mn-lt"/>
+                <a:ea typeface="+mn-ea"/>
+                <a:cs typeface="+mn-cs"/>
+              </a:rPr>
+              <a:t>rolessimultaneously</a:t>
+            </a:r>
+            <a:r>
+              <a:rPr lang="en-US" sz="1200" b="1" i="0" u="none" strike="noStrike" kern="1200" dirty="0">
+                <a:solidFill>
+                  <a:schemeClr val="tx1"/>
+                </a:solidFill>
+                <a:effectLst/>
+                <a:latin typeface="+mn-lt"/>
+                <a:ea typeface="+mn-ea"/>
+                <a:cs typeface="+mn-cs"/>
+              </a:rPr>
+              <a:t> </a:t>
+            </a:r>
+            <a:endParaRPr lang="en-SE" sz="1200" b="0" i="0" u="none" strike="noStrike" kern="1200" dirty="0">
+              <a:solidFill>
+                <a:schemeClr val="tx1"/>
+              </a:solidFill>
+              <a:effectLst/>
+              <a:latin typeface="+mn-lt"/>
+              <a:ea typeface="+mn-ea"/>
+              <a:cs typeface="+mn-cs"/>
+            </a:endParaRPr>
+          </a:p>
+          <a:p>
+            <a:pPr rtl="0" eaLnBrk="1" fontAlgn="t" latinLnBrk="0" hangingPunct="1"/>
+            <a:r>
+              <a:rPr lang="en-US" sz="1200" b="1" i="0" u="none" strike="noStrike" kern="1200" dirty="0">
+                <a:solidFill>
+                  <a:schemeClr val="tx1"/>
+                </a:solidFill>
+                <a:effectLst/>
+                <a:latin typeface="+mn-lt"/>
+                <a:ea typeface="+mn-ea"/>
+                <a:cs typeface="+mn-cs"/>
+              </a:rPr>
+              <a:t>1) variable assignment to </a:t>
+            </a:r>
+            <a:r>
+              <a:rPr lang="en-US" sz="1200" b="1" i="0" u="none" strike="noStrike" kern="1200" dirty="0" err="1">
+                <a:solidFill>
+                  <a:schemeClr val="tx1"/>
+                </a:solidFill>
+                <a:effectLst/>
+                <a:latin typeface="+mn-lt"/>
+                <a:ea typeface="+mn-ea"/>
+                <a:cs typeface="+mn-cs"/>
+              </a:rPr>
+              <a:t>kernel_data</a:t>
+            </a:r>
+            <a:r>
+              <a:rPr lang="en-US" sz="1200" b="1" i="0" u="none" strike="noStrike" kern="1200" dirty="0">
+                <a:solidFill>
+                  <a:schemeClr val="tx1"/>
+                </a:solidFill>
+                <a:effectLst/>
+                <a:latin typeface="+mn-lt"/>
+                <a:ea typeface="+mn-ea"/>
+                <a:cs typeface="+mn-cs"/>
+              </a:rPr>
+              <a:t> in memory AND</a:t>
+            </a:r>
+            <a:endParaRPr lang="en-SE" sz="1200" b="0" i="0" u="none" strike="noStrike" kern="1200" dirty="0">
+              <a:solidFill>
+                <a:schemeClr val="tx1"/>
+              </a:solidFill>
+              <a:effectLst/>
+              <a:latin typeface="+mn-lt"/>
+              <a:ea typeface="+mn-ea"/>
+              <a:cs typeface="+mn-cs"/>
+            </a:endParaRPr>
+          </a:p>
+          <a:p>
+            <a:pPr rtl="0" eaLnBrk="1" fontAlgn="t" latinLnBrk="0" hangingPunct="1"/>
+            <a:r>
+              <a:rPr lang="en-US" sz="1200" b="1" i="0" u="none" strike="noStrike" kern="1200" dirty="0">
+                <a:solidFill>
+                  <a:schemeClr val="tx1"/>
+                </a:solidFill>
+                <a:effectLst/>
+                <a:latin typeface="+mn-lt"/>
+                <a:ea typeface="+mn-ea"/>
+                <a:cs typeface="+mn-cs"/>
+              </a:rPr>
+              <a:t>2) Probing array in cache</a:t>
+            </a:r>
+            <a:endParaRPr lang="en-SE" sz="1200" b="0" i="0" u="none" strike="noStrike" kern="1200" dirty="0">
+              <a:solidFill>
+                <a:schemeClr val="tx1"/>
+              </a:solidFill>
+              <a:effectLst/>
+              <a:latin typeface="+mn-lt"/>
+              <a:ea typeface="+mn-ea"/>
+              <a:cs typeface="+mn-cs"/>
+            </a:endParaRPr>
+          </a:p>
+          <a:p>
+            <a:pPr rtl="0" eaLnBrk="1" fontAlgn="auto" latinLnBrk="0" hangingPunct="1"/>
+            <a:r>
+              <a:rPr lang="en-US" sz="1200" b="1" i="0" u="none" strike="noStrike" kern="1200" dirty="0">
+                <a:solidFill>
+                  <a:schemeClr val="tx1"/>
+                </a:solidFill>
+                <a:effectLst/>
+                <a:latin typeface="+mn-lt"/>
+                <a:ea typeface="+mn-ea"/>
+                <a:cs typeface="+mn-cs"/>
+              </a:rPr>
+              <a:t>N/A</a:t>
+            </a:r>
+            <a:endParaRPr lang="en-SE" sz="1200" b="0" i="0" u="none" strike="noStrike" kern="1200" dirty="0">
+              <a:solidFill>
+                <a:schemeClr val="tx1"/>
+              </a:solidFill>
+              <a:effectLst/>
+              <a:latin typeface="+mn-lt"/>
+              <a:ea typeface="+mn-ea"/>
+              <a:cs typeface="+mn-cs"/>
+            </a:endParaRPr>
+          </a:p>
+          <a:p>
+            <a:pPr rtl="0" eaLnBrk="1" fontAlgn="auto" latinLnBrk="0" hangingPunct="1"/>
+            <a:r>
+              <a:rPr lang="en-US" sz="1200" b="1" i="0" u="none" strike="noStrike" kern="1200" dirty="0">
+                <a:solidFill>
+                  <a:schemeClr val="tx1"/>
+                </a:solidFill>
+                <a:effectLst/>
+                <a:latin typeface="+mn-lt"/>
+                <a:ea typeface="+mn-ea"/>
+                <a:cs typeface="+mn-cs"/>
+              </a:rPr>
+              <a:t>Rollback value of 1) </a:t>
+            </a:r>
+            <a:r>
+              <a:rPr lang="en-US" sz="1200" b="1" i="0" u="none" strike="noStrike" kern="1200" dirty="0" err="1">
+                <a:solidFill>
+                  <a:schemeClr val="tx1"/>
+                </a:solidFill>
+                <a:effectLst/>
+                <a:latin typeface="+mn-lt"/>
+                <a:ea typeface="+mn-ea"/>
+                <a:cs typeface="+mn-cs"/>
+              </a:rPr>
+              <a:t>kernel_data</a:t>
+            </a:r>
+            <a:r>
+              <a:rPr lang="en-US" sz="1200" b="1" i="0" u="none" strike="noStrike" kern="1200" dirty="0">
+                <a:solidFill>
+                  <a:schemeClr val="tx1"/>
+                </a:solidFill>
+                <a:effectLst/>
+                <a:latin typeface="+mn-lt"/>
+                <a:ea typeface="+mn-ea"/>
+                <a:cs typeface="+mn-cs"/>
+              </a:rPr>
+              <a:t> (turn off lightbulbs)  but cannot affect 2) the probing array (lightbulb stays warm) </a:t>
+            </a:r>
+            <a:endParaRPr lang="en-SE" sz="1200" b="0" i="0" u="none" strike="noStrike" kern="1200" dirty="0">
+              <a:solidFill>
+                <a:schemeClr val="tx1"/>
+              </a:solidFill>
+              <a:effectLst/>
+              <a:latin typeface="+mn-lt"/>
+              <a:ea typeface="+mn-ea"/>
+              <a:cs typeface="+mn-cs"/>
+            </a:endParaRPr>
+          </a:p>
+          <a:p>
+            <a:endParaRPr lang="en-SE" dirty="0"/>
           </a:p>
         </p:txBody>
       </p:sp>
@@ -720,7 +913,7 @@
             <a:spLocks noGrp="1"/>
           </p:cNvSpPr>
           <p:nvPr>
-            <p:ph type="sldNum" sz="quarter" idx="10"/>
+            <p:ph type="sldNum" sz="quarter" idx="5"/>
           </p:nvPr>
         </p:nvSpPr>
         <p:spPr/>
@@ -728,19 +921,19 @@
           <a:bodyPr/>
           <a:lstStyle/>
           <a:p>
-            <a:fld id="{EF97FDFF-7B9F-7D4D-BFC0-AAD1F3D3D3CB}" type="slidenum">
+            <a:fld id="{9759C4A7-EF62-4E76-99C8-FC7A8F377225}" type="slidenum">
               <a:rPr lang="en-US" smtClean="0"/>
               <a:pPr/>
-              <a:t>23</a:t>
+              <a:t>22</a:t>
             </a:fld>
-            <a:endParaRPr lang="en-US" dirty="0"/>
+            <a:endParaRPr lang="en-US"/>
           </a:p>
         </p:txBody>
       </p:sp>
     </p:spTree>
     <p:extLst>
       <p:ext uri="{BB962C8B-B14F-4D97-AF65-F5344CB8AC3E}">
-        <p14:creationId xmlns:p14="http://schemas.microsoft.com/office/powerpoint/2010/main" val="1476769214"/>
+        <p14:creationId xmlns:p14="http://schemas.microsoft.com/office/powerpoint/2010/main" val="2957730681"/>
       </p:ext>
     </p:extLst>
   </p:cSld>
@@ -794,10 +987,6 @@
           <a:bodyPr/>
           <a:lstStyle/>
           <a:p>
-            <a:r>
-              <a:rPr lang="en-US" altLang="zh-CN" sz="1200" dirty="0"/>
-              <a:t>Thumb instructions are 16 or 32 bits wide, with the majority being 16 bits. Thus, while the address held in PC is being used to read one 16-bit instruction from memory, the previous instruction (from address PC-2) is decoded, and the one before that (from address PC-4) is executed. One instruction completed every  cycle.</a:t>
-            </a:r>
             <a:endParaRPr lang="en-US" dirty="0"/>
           </a:p>
         </p:txBody>
@@ -829,7 +1018,7 @@
     </p:spTree>
     <p:extLst>
       <p:ext uri="{BB962C8B-B14F-4D97-AF65-F5344CB8AC3E}">
-        <p14:creationId xmlns:p14="http://schemas.microsoft.com/office/powerpoint/2010/main" val="2359787176"/>
+        <p14:creationId xmlns:p14="http://schemas.microsoft.com/office/powerpoint/2010/main" val="1476769214"/>
       </p:ext>
     </p:extLst>
   </p:cSld>
@@ -883,49 +1072,11 @@
           <a:bodyPr/>
           <a:lstStyle/>
           <a:p>
-            <a:pPr marL="0" marR="0" lvl="0" indent="0" algn="l" defTabSz="914400" rtl="0" eaLnBrk="1" fontAlgn="auto" latinLnBrk="0" hangingPunct="1">
-              <a:lnSpc>
-                <a:spcPct val="100000"/>
-              </a:lnSpc>
-              <a:spcBef>
-                <a:spcPts val="0"/>
-              </a:spcBef>
-              <a:spcAft>
-                <a:spcPts val="0"/>
-              </a:spcAft>
-              <a:buClrTx/>
-              <a:buSzTx/>
-              <a:buFontTx/>
-              <a:buNone/>
-              <a:tabLst/>
-              <a:defRPr/>
-            </a:pPr>
             <a:r>
               <a:rPr lang="en-US" altLang="zh-CN" sz="1200" dirty="0"/>
-              <a:t>Race condition if branch predictor </a:t>
-            </a:r>
-            <a:r>
-              <a:rPr lang="en-US" dirty="0"/>
-              <a:t>Left branch executes function victim():</a:t>
-            </a:r>
-            <a:endParaRPr lang="en-SE" dirty="0"/>
-          </a:p>
-          <a:p>
-            <a:endParaRPr lang="en-US" altLang="zh-CN" sz="1200" dirty="0"/>
-          </a:p>
-          <a:p>
-            <a:r>
-              <a:rPr lang="en-US" altLang="zh-CN" sz="1200" dirty="0"/>
-              <a:t>predicts condition to be true</a:t>
-            </a:r>
-            <a:endParaRPr lang="zh-CN" altLang="en-US" sz="1200" dirty="0"/>
-          </a:p>
-          <a:p>
-            <a:r>
-              <a:rPr lang="en-US" altLang="zh-CN" dirty="0"/>
-              <a:t>; its effects will be rolled back if (x &lt; size) is false</a:t>
-            </a:r>
-            <a:endParaRPr lang="en-SE" dirty="0"/>
+              <a:t>Thumb instructions are 16 or 32 bits wide, with the majority being 16 bits. Thus, while the address held in PC is being used to read one 16-bit instruction from memory, the previous instruction (from address PC-2) is decoded, and the one before that (from address PC-4) is executed. One instruction completed every  cycle.</a:t>
+            </a:r>
+            <a:endParaRPr lang="en-US" dirty="0"/>
           </a:p>
         </p:txBody>
       </p:sp>
@@ -936,7 +1087,7 @@
             <a:spLocks noGrp="1"/>
           </p:cNvSpPr>
           <p:nvPr>
-            <p:ph type="sldNum" sz="quarter" idx="5"/>
+            <p:ph type="sldNum" sz="quarter" idx="10"/>
           </p:nvPr>
         </p:nvSpPr>
         <p:spPr/>
@@ -944,19 +1095,19 @@
           <a:bodyPr/>
           <a:lstStyle/>
           <a:p>
-            <a:fld id="{9759C4A7-EF62-4E76-99C8-FC7A8F377225}" type="slidenum">
+            <a:fld id="{EF97FDFF-7B9F-7D4D-BFC0-AAD1F3D3D3CB}" type="slidenum">
               <a:rPr lang="en-US" smtClean="0"/>
               <a:pPr/>
-              <a:t>26</a:t>
+              <a:t>25</a:t>
             </a:fld>
-            <a:endParaRPr lang="en-US"/>
+            <a:endParaRPr lang="en-US" dirty="0"/>
           </a:p>
         </p:txBody>
       </p:sp>
     </p:spTree>
     <p:extLst>
       <p:ext uri="{BB962C8B-B14F-4D97-AF65-F5344CB8AC3E}">
-        <p14:creationId xmlns:p14="http://schemas.microsoft.com/office/powerpoint/2010/main" val="3739581550"/>
+        <p14:creationId xmlns:p14="http://schemas.microsoft.com/office/powerpoint/2010/main" val="2359787176"/>
       </p:ext>
     </p:extLst>
   </p:cSld>
@@ -1028,21 +1179,30 @@
               <a:defRPr/>
             </a:pPr>
             <a:r>
+              <a:rPr lang="en-US" altLang="zh-CN" sz="1200" dirty="0"/>
+              <a:t>Race condition if branch predictor </a:t>
+            </a:r>
+            <a:r>
               <a:rPr lang="en-US" dirty="0"/>
-              <a:t>The </a:t>
-            </a:r>
-            <a:r>
-              <a:rPr lang="en-US" dirty="0">
-                <a:hlinkClick r:id="rId3"/>
-              </a:rPr>
-              <a:t>Speculation Barriers section</a:t>
-            </a:r>
-            <a:r>
-              <a:rPr lang="en-US" dirty="0"/>
-              <a:t> has more details about the importance of this sequence.</a:t>
-            </a:r>
-          </a:p>
-          <a:p>
+              <a:t>Left branch executes function victim():</a:t>
+            </a:r>
+            <a:endParaRPr lang="en-SE" dirty="0"/>
+          </a:p>
+          <a:p>
+            <a:endParaRPr lang="en-US" altLang="zh-CN" sz="1200" dirty="0"/>
+          </a:p>
+          <a:p>
+            <a:r>
+              <a:rPr lang="en-US" altLang="zh-CN" sz="1200" dirty="0"/>
+              <a:t>predicts condition to be true</a:t>
+            </a:r>
+            <a:endParaRPr lang="zh-CN" altLang="en-US" sz="1200" dirty="0"/>
+          </a:p>
+          <a:p>
+            <a:r>
+              <a:rPr lang="en-US" altLang="zh-CN" dirty="0"/>
+              <a:t>; its effects will be rolled back if (x &lt; size) is false</a:t>
+            </a:r>
             <a:endParaRPr lang="en-SE" dirty="0"/>
           </a:p>
         </p:txBody>
@@ -1065,7 +1225,7 @@
             <a:fld id="{9759C4A7-EF62-4E76-99C8-FC7A8F377225}" type="slidenum">
               <a:rPr lang="en-US" smtClean="0"/>
               <a:pPr/>
-              <a:t>30</a:t>
+              <a:t>27</a:t>
             </a:fld>
             <a:endParaRPr lang="en-US"/>
           </a:p>
@@ -1074,7 +1234,7 @@
     </p:spTree>
     <p:extLst>
       <p:ext uri="{BB962C8B-B14F-4D97-AF65-F5344CB8AC3E}">
-        <p14:creationId xmlns:p14="http://schemas.microsoft.com/office/powerpoint/2010/main" val="2231607026"/>
+        <p14:creationId xmlns:p14="http://schemas.microsoft.com/office/powerpoint/2010/main" val="3739581550"/>
       </p:ext>
     </p:extLst>
   </p:cSld>
@@ -1128,24 +1288,39 @@
           <a:bodyPr/>
           <a:lstStyle/>
           <a:p>
+            <a:pPr marL="0" marR="0" lvl="0" indent="0" algn="l" defTabSz="914400" rtl="0" eaLnBrk="1" fontAlgn="auto" latinLnBrk="0" hangingPunct="1">
+              <a:lnSpc>
+                <a:spcPct val="100000"/>
+              </a:lnSpc>
+              <a:spcBef>
+                <a:spcPts val="0"/>
+              </a:spcBef>
+              <a:spcAft>
+                <a:spcPts val="0"/>
+              </a:spcAft>
+              <a:buClrTx/>
+              <a:buSzTx/>
+              <a:buFontTx/>
+              <a:buNone/>
+              <a:tabLst/>
+              <a:defRPr/>
+            </a:pPr>
             <a:r>
               <a:rPr lang="en-US" dirty="0"/>
-              <a:t>of the 31</a:t>
-            </a:r>
-          </a:p>
-          <a:p>
-            <a:r>
-              <a:rPr lang="en-US" sz="1200" b="0" i="0" kern="1200" dirty="0">
-                <a:solidFill>
-                  <a:schemeClr val="tx1"/>
-                </a:solidFill>
-                <a:effectLst/>
-                <a:latin typeface="+mn-lt"/>
-                <a:ea typeface="+mn-ea"/>
-                <a:cs typeface="+mn-cs"/>
+              <a:t>The </a:t>
+            </a:r>
+            <a:r>
+              <a:rPr lang="en-US" dirty="0">
+                <a:hlinkClick r:id="rId3"/>
               </a:rPr>
-              <a:t>Ren X, Rodrigues K, Chen L, et al. An analysis of performance evolution of Linux's core operations[C]//Proceedings of the 27th ACM Symposium on Operating Systems Principles. 2019: 554-569.</a:t>
-            </a:r>
+              <a:t>Speculation Barriers section</a:t>
+            </a:r>
+            <a:r>
+              <a:rPr lang="en-US" dirty="0"/>
+              <a:t> has more details about the importance of this sequence.</a:t>
+            </a:r>
+          </a:p>
+          <a:p>
             <a:endParaRPr lang="en-SE" dirty="0"/>
           </a:p>
         </p:txBody>
@@ -1168,7 +1343,110 @@
             <a:fld id="{9759C4A7-EF62-4E76-99C8-FC7A8F377225}" type="slidenum">
               <a:rPr lang="en-US" smtClean="0"/>
               <a:pPr/>
-              <a:t>32</a:t>
+              <a:t>31</a:t>
+            </a:fld>
+            <a:endParaRPr lang="en-US"/>
+          </a:p>
+        </p:txBody>
+      </p:sp>
+    </p:spTree>
+    <p:extLst>
+      <p:ext uri="{BB962C8B-B14F-4D97-AF65-F5344CB8AC3E}">
+        <p14:creationId xmlns:p14="http://schemas.microsoft.com/office/powerpoint/2010/main" val="2231607026"/>
+      </p:ext>
+    </p:extLst>
+  </p:cSld>
+  <p:clrMapOvr>
+    <a:masterClrMapping/>
+  </p:clrMapOvr>
+</p:notes>
+</file>
+
+<file path=ppt/notesSlides/notesSlide15.xml><?xml version="1.0" encoding="utf-8"?>
+<p:notes xmlns:a="http://schemas.openxmlformats.org/drawingml/2006/main" xmlns:r="http://schemas.openxmlformats.org/officeDocument/2006/relationships" xmlns:p="http://schemas.openxmlformats.org/presentationml/2006/main">
+  <p:cSld>
+    <p:spTree>
+      <p:nvGrpSpPr>
+        <p:cNvPr id="1" name=""/>
+        <p:cNvGrpSpPr/>
+        <p:nvPr/>
+      </p:nvGrpSpPr>
+      <p:grpSpPr>
+        <a:xfrm>
+          <a:off x="0" y="0"/>
+          <a:ext cx="0" cy="0"/>
+          <a:chOff x="0" y="0"/>
+          <a:chExt cx="0" cy="0"/>
+        </a:xfrm>
+      </p:grpSpPr>
+      <p:sp>
+        <p:nvSpPr>
+          <p:cNvPr id="2" name="Slide Image Placeholder 1"/>
+          <p:cNvSpPr>
+            <a:spLocks noGrp="1" noRot="1" noChangeAspect="1"/>
+          </p:cNvSpPr>
+          <p:nvPr>
+            <p:ph type="sldImg"/>
+          </p:nvPr>
+        </p:nvSpPr>
+        <p:spPr/>
+      </p:sp>
+      <p:sp>
+        <p:nvSpPr>
+          <p:cNvPr id="3" name="Notes Placeholder 2"/>
+          <p:cNvSpPr>
+            <a:spLocks noGrp="1"/>
+          </p:cNvSpPr>
+          <p:nvPr>
+            <p:ph type="body" idx="1"/>
+          </p:nvPr>
+        </p:nvSpPr>
+        <p:spPr/>
+        <p:txBody>
+          <a:bodyPr/>
+          <a:lstStyle/>
+          <a:p>
+            <a:r>
+              <a:rPr lang="en-US" dirty="0"/>
+              <a:t>of the 31</a:t>
+            </a:r>
+          </a:p>
+          <a:p>
+            <a:r>
+              <a:rPr lang="en-US" sz="1200" b="0" i="0" kern="1200" dirty="0">
+                <a:solidFill>
+                  <a:schemeClr val="tx1"/>
+                </a:solidFill>
+                <a:effectLst/>
+                <a:latin typeface="+mn-lt"/>
+                <a:ea typeface="+mn-ea"/>
+                <a:cs typeface="+mn-cs"/>
+              </a:rPr>
+              <a:t>Ren X, Rodrigues K, Chen L, et al. An analysis of performance evolution of Linux's core operations[C]//Proceedings of the 27th ACM Symposium on Operating Systems Principles. 2019: 554-569.</a:t>
+            </a:r>
+            <a:endParaRPr lang="en-SE" dirty="0"/>
+          </a:p>
+        </p:txBody>
+      </p:sp>
+      <p:sp>
+        <p:nvSpPr>
+          <p:cNvPr id="4" name="Slide Number Placeholder 3"/>
+          <p:cNvSpPr>
+            <a:spLocks noGrp="1"/>
+          </p:cNvSpPr>
+          <p:nvPr>
+            <p:ph type="sldNum" sz="quarter" idx="5"/>
+          </p:nvPr>
+        </p:nvSpPr>
+        <p:spPr/>
+        <p:txBody>
+          <a:bodyPr/>
+          <a:lstStyle/>
+          <a:p>
+            <a:fld id="{9759C4A7-EF62-4E76-99C8-FC7A8F377225}" type="slidenum">
+              <a:rPr lang="en-US" smtClean="0"/>
+              <a:pPr/>
+              <a:t>33</a:t>
             </a:fld>
             <a:endParaRPr lang="en-US"/>
           </a:p>
@@ -1822,16 +2100,28 @@
           <a:bodyPr/>
           <a:lstStyle/>
           <a:p>
-            <a:r>
-              <a:rPr lang="en-US" dirty="0"/>
-              <a:t>when accessing variables in adjacent memory addresses  smaller than &amp;a[0] Since array[0] may be accidentally brought into cache before the attack, due to cache prefetching when some other program accesses variables in adjacent memory addresses smaller than &amp;array[0], we use array[k*4096 + DELTA] for all k values (DELTA=1024 in Listing 2)</a:t>
-            </a:r>
-          </a:p>
-          <a:p>
-            <a:endParaRPr lang="en-US" dirty="0"/>
-          </a:p>
-          <a:p>
-            <a:endParaRPr lang="en-SE" dirty="0"/>
+            <a:pPr marL="0" marR="0" lvl="0" indent="0" algn="l" defTabSz="914400" rtl="0" eaLnBrk="1" fontAlgn="auto" latinLnBrk="0" hangingPunct="1">
+              <a:lnSpc>
+                <a:spcPct val="100000"/>
+              </a:lnSpc>
+              <a:spcBef>
+                <a:spcPts val="0"/>
+              </a:spcBef>
+              <a:spcAft>
+                <a:spcPts val="0"/>
+              </a:spcAft>
+              <a:buClrTx/>
+              <a:buSzTx/>
+              <a:buFontTx/>
+              <a:buNone/>
+              <a:tabLst/>
+              <a:defRPr/>
+            </a:pPr>
+            <a:r>
+              <a:rPr lang="en-US" altLang="zh-CN" dirty="0"/>
+              <a:t>array[] contains 10 pages (40KB) of 1-Byte elements, each page has starting address of 0*4096, 1*4096, …., 9*4096. </a:t>
+            </a:r>
+            <a:endParaRPr lang="zh-CN" altLang="en-US" dirty="0"/>
           </a:p>
           <a:p>
             <a:endParaRPr lang="en-SE" dirty="0"/>
@@ -1856,7 +2146,7 @@
             <a:fld id="{9759C4A7-EF62-4E76-99C8-FC7A8F377225}" type="slidenum">
               <a:rPr lang="en-US" smtClean="0"/>
               <a:pPr/>
-              <a:t>15</a:t>
+              <a:t>14</a:t>
             </a:fld>
             <a:endParaRPr lang="en-US"/>
           </a:p>
@@ -1865,7 +2155,7 @@
     </p:spTree>
     <p:extLst>
       <p:ext uri="{BB962C8B-B14F-4D97-AF65-F5344CB8AC3E}">
-        <p14:creationId xmlns:p14="http://schemas.microsoft.com/office/powerpoint/2010/main" val="3593079844"/>
+        <p14:creationId xmlns:p14="http://schemas.microsoft.com/office/powerpoint/2010/main" val="796608950"/>
       </p:ext>
     </p:extLst>
   </p:cSld>
@@ -1920,9 +2210,17 @@
           <a:lstStyle/>
           <a:p>
             <a:r>
-              <a:rPr lang="en-US" sz="1200" dirty="0"/>
-              <a:t> Suppose all light bulb-to-switch connections are known, and you can reset all lightbulbs to be off without entering the room</a:t>
-            </a:r>
+              <a:rPr lang="en-US" dirty="0"/>
+              <a:t>when accessing variables in adjacent memory addresses  smaller than &amp;a[0] Since array[0] may be accidentally brought into cache before the attack, due to cache prefetching when some other program accesses variables in adjacent memory addresses smaller than &amp;array[0], we use array[k*4096 + DELTA] for all k values (DELTA=1024 in Listing 2)</a:t>
+            </a:r>
+          </a:p>
+          <a:p>
+            <a:endParaRPr lang="en-US" dirty="0"/>
+          </a:p>
+          <a:p>
+            <a:endParaRPr lang="en-SE" dirty="0"/>
+          </a:p>
+          <a:p>
             <a:endParaRPr lang="en-SE" dirty="0"/>
           </a:p>
         </p:txBody>
@@ -1934,7 +2232,7 @@
             <a:spLocks noGrp="1"/>
           </p:cNvSpPr>
           <p:nvPr>
-            <p:ph type="sldNum" idx="12"/>
+            <p:ph type="sldNum" sz="quarter" idx="5"/>
           </p:nvPr>
         </p:nvSpPr>
         <p:spPr/>
@@ -1942,43 +2240,19 @@
           <a:bodyPr/>
           <a:lstStyle/>
           <a:p>
-            <a:pPr marL="0" marR="0" lvl="0" indent="0" algn="r" rtl="0">
-              <a:spcBef>
-                <a:spcPts val="0"/>
-              </a:spcBef>
-              <a:spcAft>
-                <a:spcPts val="0"/>
-              </a:spcAft>
-              <a:buNone/>
-            </a:pPr>
-            <a:fld id="{00000000-1234-1234-1234-123412341234}" type="slidenum">
-              <a:rPr lang="en-US" sz="1200" b="0" i="0" u="none" strike="noStrike" cap="none" smtClean="0">
-                <a:solidFill>
-                  <a:schemeClr val="dk1"/>
-                </a:solidFill>
-                <a:latin typeface="Calibri"/>
-                <a:ea typeface="Calibri"/>
-                <a:cs typeface="Calibri"/>
-                <a:sym typeface="Calibri"/>
-              </a:rPr>
-              <a:t>19</a:t>
+            <a:fld id="{9759C4A7-EF62-4E76-99C8-FC7A8F377225}" type="slidenum">
+              <a:rPr lang="en-US" smtClean="0"/>
+              <a:pPr/>
+              <a:t>15</a:t>
             </a:fld>
-            <a:endParaRPr lang="en-US" sz="1200" b="0" i="0" u="none" strike="noStrike" cap="none">
-              <a:solidFill>
-                <a:schemeClr val="dk1"/>
-              </a:solidFill>
-              <a:latin typeface="Calibri"/>
-              <a:ea typeface="Calibri"/>
-              <a:cs typeface="Calibri"/>
-              <a:sym typeface="Calibri"/>
-            </a:endParaRPr>
+            <a:endParaRPr lang="en-US"/>
           </a:p>
         </p:txBody>
       </p:sp>
     </p:spTree>
     <p:extLst>
       <p:ext uri="{BB962C8B-B14F-4D97-AF65-F5344CB8AC3E}">
-        <p14:creationId xmlns:p14="http://schemas.microsoft.com/office/powerpoint/2010/main" val="793847552"/>
+        <p14:creationId xmlns:p14="http://schemas.microsoft.com/office/powerpoint/2010/main" val="3593079844"/>
       </p:ext>
     </p:extLst>
   </p:cSld>
@@ -2032,77 +2306,10 @@
           <a:bodyPr/>
           <a:lstStyle/>
           <a:p>
-            <a:pPr marL="0" marR="0" lvl="0" indent="0" algn="l" defTabSz="914400" rtl="0" eaLnBrk="1" fontAlgn="auto" latinLnBrk="0" hangingPunct="1">
-              <a:lnSpc>
-                <a:spcPct val="100000"/>
-              </a:lnSpc>
-              <a:spcBef>
-                <a:spcPts val="0"/>
-              </a:spcBef>
-              <a:spcAft>
-                <a:spcPts val="0"/>
-              </a:spcAft>
-              <a:buClrTx/>
-              <a:buSzTx/>
-              <a:buFontTx/>
-              <a:buNone/>
-              <a:tabLst/>
-              <a:defRPr/>
-            </a:pPr>
             <a:r>
               <a:rPr lang="en-US" sz="1200" dirty="0"/>
-              <a:t>Turning on the light switch that encodes the secret 7: bring element array[7*STEP] into the cache</a:t>
-            </a:r>
-          </a:p>
-          <a:p>
-            <a:pPr marL="0" marR="0" lvl="0" indent="0" algn="l" defTabSz="914400" rtl="0" eaLnBrk="1" fontAlgn="auto" latinLnBrk="0" hangingPunct="1">
-              <a:lnSpc>
-                <a:spcPct val="100000"/>
-              </a:lnSpc>
-              <a:spcBef>
-                <a:spcPts val="0"/>
-              </a:spcBef>
-              <a:spcAft>
-                <a:spcPts val="0"/>
-              </a:spcAft>
-              <a:buClrTx/>
-              <a:buSzTx/>
-              <a:buFontTx/>
-              <a:buNone/>
-              <a:tabLst/>
-              <a:defRPr/>
-            </a:pPr>
-            <a:r>
-              <a:rPr lang="en-US" altLang="zh-CN" dirty="0"/>
-              <a:t>(assuming </a:t>
-            </a:r>
-            <a:r>
-              <a:rPr lang="en-US" dirty="0"/>
-              <a:t>security guard and you share the same CPU core</a:t>
-            </a:r>
-            <a:endParaRPr lang="en-US" sz="1200" dirty="0"/>
-          </a:p>
-          <a:p>
-            <a:pPr marL="0" marR="0" lvl="0" indent="0" algn="l" defTabSz="914400" rtl="0" eaLnBrk="1" fontAlgn="auto" latinLnBrk="0" hangingPunct="1">
-              <a:lnSpc>
-                <a:spcPct val="100000"/>
-              </a:lnSpc>
-              <a:spcBef>
-                <a:spcPts val="0"/>
-              </a:spcBef>
-              <a:spcAft>
-                <a:spcPts val="0"/>
-              </a:spcAft>
-              <a:buClrTx/>
-              <a:buSzTx/>
-              <a:buFontTx/>
-              <a:buNone/>
-              <a:tabLst/>
-              <a:defRPr/>
-            </a:pPr>
-            <a:endParaRPr lang="en-US" sz="1200" dirty="0"/>
-          </a:p>
-          <a:p>
+              <a:t> Suppose all light bulb-to-switch connections are known, and you can reset all lightbulbs to be off without entering the room</a:t>
+            </a:r>
             <a:endParaRPr lang="en-SE" dirty="0"/>
           </a:p>
         </p:txBody>
@@ -2158,7 +2365,7 @@
     </p:spTree>
     <p:extLst>
       <p:ext uri="{BB962C8B-B14F-4D97-AF65-F5344CB8AC3E}">
-        <p14:creationId xmlns:p14="http://schemas.microsoft.com/office/powerpoint/2010/main" val="3911684959"/>
+        <p14:creationId xmlns:p14="http://schemas.microsoft.com/office/powerpoint/2010/main" val="793847552"/>
       </p:ext>
     </p:extLst>
   </p:cSld>
@@ -2212,196 +2419,75 @@
           <a:bodyPr/>
           <a:lstStyle/>
           <a:p>
-            <a:pPr rtl="0" eaLnBrk="1" fontAlgn="t" latinLnBrk="0" hangingPunct="1"/>
-            <a:r>
-              <a:rPr lang="en-US" sz="1200" b="1" i="0" u="none" strike="noStrike" kern="1200" dirty="0">
-                <a:solidFill>
-                  <a:schemeClr val="tx1"/>
-                </a:solidFill>
-                <a:effectLst/>
-                <a:latin typeface="+mn-lt"/>
-                <a:ea typeface="+mn-ea"/>
-                <a:cs typeface="+mn-cs"/>
-              </a:rPr>
-              <a:t>Plays two </a:t>
-            </a:r>
-            <a:r>
-              <a:rPr lang="en-US" sz="1200" b="1" i="0" u="none" strike="noStrike" kern="1200" dirty="0" err="1">
-                <a:solidFill>
-                  <a:schemeClr val="tx1"/>
-                </a:solidFill>
-                <a:effectLst/>
-                <a:latin typeface="+mn-lt"/>
-                <a:ea typeface="+mn-ea"/>
-                <a:cs typeface="+mn-cs"/>
-              </a:rPr>
-              <a:t>rolessimultaneously</a:t>
-            </a:r>
-            <a:r>
-              <a:rPr lang="en-US" sz="1200" b="1" i="0" u="none" strike="noStrike" kern="1200" dirty="0">
-                <a:solidFill>
-                  <a:schemeClr val="tx1"/>
-                </a:solidFill>
-                <a:effectLst/>
-                <a:latin typeface="+mn-lt"/>
-                <a:ea typeface="+mn-ea"/>
-                <a:cs typeface="+mn-cs"/>
-              </a:rPr>
-              <a:t> </a:t>
-            </a:r>
-            <a:endParaRPr lang="en-SE" sz="1200" b="0" i="0" u="none" strike="noStrike" kern="1200" dirty="0">
-              <a:solidFill>
-                <a:schemeClr val="tx1"/>
-              </a:solidFill>
-              <a:effectLst/>
-              <a:latin typeface="+mn-lt"/>
-              <a:ea typeface="+mn-ea"/>
-              <a:cs typeface="+mn-cs"/>
-            </a:endParaRPr>
-          </a:p>
-          <a:p>
-            <a:pPr rtl="0" eaLnBrk="1" fontAlgn="t" latinLnBrk="0" hangingPunct="1"/>
-            <a:r>
-              <a:rPr lang="en-US" sz="1200" b="1" i="0" u="none" strike="noStrike" kern="1200" dirty="0">
-                <a:solidFill>
-                  <a:schemeClr val="tx1"/>
-                </a:solidFill>
-                <a:effectLst/>
-                <a:latin typeface="+mn-lt"/>
-                <a:ea typeface="+mn-ea"/>
-                <a:cs typeface="+mn-cs"/>
-              </a:rPr>
-              <a:t>1) variable assignment to </a:t>
-            </a:r>
-            <a:r>
-              <a:rPr lang="en-US" sz="1200" b="1" i="0" u="none" strike="noStrike" kern="1200" dirty="0" err="1">
-                <a:solidFill>
-                  <a:schemeClr val="tx1"/>
-                </a:solidFill>
-                <a:effectLst/>
-                <a:latin typeface="+mn-lt"/>
-                <a:ea typeface="+mn-ea"/>
-                <a:cs typeface="+mn-cs"/>
-              </a:rPr>
-              <a:t>kernel_data</a:t>
-            </a:r>
-            <a:r>
-              <a:rPr lang="en-US" sz="1200" b="1" i="0" u="none" strike="noStrike" kern="1200" dirty="0">
-                <a:solidFill>
-                  <a:schemeClr val="tx1"/>
-                </a:solidFill>
-                <a:effectLst/>
-                <a:latin typeface="+mn-lt"/>
-                <a:ea typeface="+mn-ea"/>
-                <a:cs typeface="+mn-cs"/>
-              </a:rPr>
-              <a:t> in memory AND</a:t>
-            </a:r>
-            <a:endParaRPr lang="en-SE" sz="1200" b="0" i="0" u="none" strike="noStrike" kern="1200" dirty="0">
-              <a:solidFill>
-                <a:schemeClr val="tx1"/>
-              </a:solidFill>
-              <a:effectLst/>
-              <a:latin typeface="+mn-lt"/>
-              <a:ea typeface="+mn-ea"/>
-              <a:cs typeface="+mn-cs"/>
-            </a:endParaRPr>
-          </a:p>
-          <a:p>
-            <a:pPr rtl="0" eaLnBrk="1" fontAlgn="t" latinLnBrk="0" hangingPunct="1"/>
-            <a:r>
-              <a:rPr lang="en-US" sz="1200" b="1" i="0" u="none" strike="noStrike" kern="1200" dirty="0">
-                <a:solidFill>
-                  <a:schemeClr val="tx1"/>
-                </a:solidFill>
-                <a:effectLst/>
-                <a:latin typeface="+mn-lt"/>
-                <a:ea typeface="+mn-ea"/>
-                <a:cs typeface="+mn-cs"/>
-              </a:rPr>
-              <a:t>2) Probing array in cache</a:t>
-            </a:r>
-            <a:endParaRPr lang="en-SE" sz="1200" b="0" i="0" u="none" strike="noStrike" kern="1200" dirty="0">
-              <a:solidFill>
-                <a:schemeClr val="tx1"/>
-              </a:solidFill>
-              <a:effectLst/>
-              <a:latin typeface="+mn-lt"/>
-              <a:ea typeface="+mn-ea"/>
-              <a:cs typeface="+mn-cs"/>
-            </a:endParaRPr>
-          </a:p>
-          <a:p>
-            <a:pPr rtl="0" eaLnBrk="1" fontAlgn="auto" latinLnBrk="0" hangingPunct="1"/>
-            <a:r>
-              <a:rPr lang="en-US" sz="1200" b="1" i="0" u="none" strike="noStrike" kern="1200" dirty="0">
-                <a:solidFill>
-                  <a:schemeClr val="tx1"/>
-                </a:solidFill>
-                <a:effectLst/>
-                <a:latin typeface="+mn-lt"/>
-                <a:ea typeface="+mn-ea"/>
-                <a:cs typeface="+mn-cs"/>
-              </a:rPr>
-              <a:t>N/A</a:t>
-            </a:r>
-            <a:endParaRPr lang="en-SE" sz="1200" b="0" i="0" u="none" strike="noStrike" kern="1200" dirty="0">
-              <a:solidFill>
-                <a:schemeClr val="tx1"/>
-              </a:solidFill>
-              <a:effectLst/>
-              <a:latin typeface="+mn-lt"/>
-              <a:ea typeface="+mn-ea"/>
-              <a:cs typeface="+mn-cs"/>
-            </a:endParaRPr>
-          </a:p>
-          <a:p>
-            <a:pPr rtl="0" eaLnBrk="1" fontAlgn="auto" latinLnBrk="0" hangingPunct="1"/>
-            <a:r>
-              <a:rPr lang="en-US" sz="1200" b="1" i="0" u="none" strike="noStrike" kern="1200" dirty="0">
-                <a:solidFill>
-                  <a:schemeClr val="tx1"/>
-                </a:solidFill>
-                <a:effectLst/>
-                <a:latin typeface="+mn-lt"/>
-                <a:ea typeface="+mn-ea"/>
-                <a:cs typeface="+mn-cs"/>
-              </a:rPr>
-              <a:t>Rollback value of 1) </a:t>
-            </a:r>
-            <a:r>
-              <a:rPr lang="en-US" sz="1200" b="1" i="0" u="none" strike="noStrike" kern="1200" dirty="0" err="1">
-                <a:solidFill>
-                  <a:schemeClr val="tx1"/>
-                </a:solidFill>
-                <a:effectLst/>
-                <a:latin typeface="+mn-lt"/>
-                <a:ea typeface="+mn-ea"/>
-                <a:cs typeface="+mn-cs"/>
-              </a:rPr>
-              <a:t>kernel_data</a:t>
-            </a:r>
-            <a:r>
-              <a:rPr lang="en-US" sz="1200" b="1" i="0" u="none" strike="noStrike" kern="1200" dirty="0">
-                <a:solidFill>
-                  <a:schemeClr val="tx1"/>
-                </a:solidFill>
-                <a:effectLst/>
-                <a:latin typeface="+mn-lt"/>
-                <a:ea typeface="+mn-ea"/>
-                <a:cs typeface="+mn-cs"/>
-              </a:rPr>
-              <a:t> (turn off lightbulbs)  but cannot affect 2) the probing array (lightbulb stays warm) </a:t>
-            </a:r>
-            <a:endParaRPr lang="en-SE" sz="1200" b="0" i="0" u="none" strike="noStrike" kern="1200" dirty="0">
-              <a:solidFill>
-                <a:schemeClr val="tx1"/>
-              </a:solidFill>
-              <a:effectLst/>
-              <a:latin typeface="+mn-lt"/>
-              <a:ea typeface="+mn-ea"/>
-              <a:cs typeface="+mn-cs"/>
-            </a:endParaRPr>
+            <a:pPr marL="0" marR="0" lvl="0" indent="0" algn="l" defTabSz="914400" rtl="0" eaLnBrk="1" fontAlgn="auto" latinLnBrk="0" hangingPunct="1">
+              <a:lnSpc>
+                <a:spcPct val="100000"/>
+              </a:lnSpc>
+              <a:spcBef>
+                <a:spcPts val="0"/>
+              </a:spcBef>
+              <a:spcAft>
+                <a:spcPts val="0"/>
+              </a:spcAft>
+              <a:buClrTx/>
+              <a:buSzTx/>
+              <a:buFontTx/>
+              <a:buNone/>
+              <a:tabLst/>
+              <a:defRPr/>
+            </a:pPr>
+            <a:r>
+              <a:rPr lang="en-US" sz="1200" dirty="0"/>
+              <a:t>Turning on the light switch that encodes the secret 7: bring element array[7*STEP] into the cache</a:t>
+            </a:r>
+          </a:p>
+          <a:p>
+            <a:pPr marL="0" marR="0" lvl="0" indent="0" algn="l" defTabSz="914400" rtl="0" eaLnBrk="1" fontAlgn="auto" latinLnBrk="0" hangingPunct="1">
+              <a:lnSpc>
+                <a:spcPct val="100000"/>
+              </a:lnSpc>
+              <a:spcBef>
+                <a:spcPts val="0"/>
+              </a:spcBef>
+              <a:spcAft>
+                <a:spcPts val="0"/>
+              </a:spcAft>
+              <a:buClrTx/>
+              <a:buSzTx/>
+              <a:buFontTx/>
+              <a:buNone/>
+              <a:tabLst/>
+              <a:defRPr/>
+            </a:pPr>
+            <a:r>
+              <a:rPr lang="en-US" altLang="zh-CN" dirty="0"/>
+              <a:t>(assuming </a:t>
+            </a:r>
+            <a:r>
+              <a:rPr lang="en-US" dirty="0"/>
+              <a:t>security guard and you share the same CPU core</a:t>
+            </a:r>
+            <a:endParaRPr lang="en-US" sz="1200" dirty="0"/>
+          </a:p>
+          <a:p>
+            <a:pPr marL="0" marR="0" lvl="0" indent="0" algn="l" defTabSz="914400" rtl="0" eaLnBrk="1" fontAlgn="auto" latinLnBrk="0" hangingPunct="1">
+              <a:lnSpc>
+                <a:spcPct val="100000"/>
+              </a:lnSpc>
+              <a:spcBef>
+                <a:spcPts val="0"/>
+              </a:spcBef>
+              <a:spcAft>
+                <a:spcPts val="0"/>
+              </a:spcAft>
+              <a:buClrTx/>
+              <a:buSzTx/>
+              <a:buFontTx/>
+              <a:buNone/>
+              <a:tabLst/>
+              <a:defRPr/>
+            </a:pPr>
+            <a:endParaRPr lang="en-US" sz="1200" dirty="0"/>
           </a:p>
           <a:p>
             <a:endParaRPr lang="en-SE" dirty="0"/>
@@ -2415,7 +2501,7 @@
             <a:spLocks noGrp="1"/>
           </p:cNvSpPr>
           <p:nvPr>
-            <p:ph type="sldNum" sz="quarter" idx="5"/>
+            <p:ph type="sldNum" idx="12"/>
           </p:nvPr>
         </p:nvSpPr>
         <p:spPr/>
@@ -2423,19 +2509,43 @@
           <a:bodyPr/>
           <a:lstStyle/>
           <a:p>
-            <a:fld id="{9759C4A7-EF62-4E76-99C8-FC7A8F377225}" type="slidenum">
-              <a:rPr lang="en-US" smtClean="0"/>
-              <a:pPr/>
+            <a:pPr marL="0" marR="0" lvl="0" indent="0" algn="r" rtl="0">
+              <a:spcBef>
+                <a:spcPts val="0"/>
+              </a:spcBef>
+              <a:spcAft>
+                <a:spcPts val="0"/>
+              </a:spcAft>
+              <a:buNone/>
+            </a:pPr>
+            <a:fld id="{00000000-1234-1234-1234-123412341234}" type="slidenum">
+              <a:rPr lang="en-US" sz="1200" b="0" i="0" u="none" strike="noStrike" cap="none" smtClean="0">
+                <a:solidFill>
+                  <a:schemeClr val="dk1"/>
+                </a:solidFill>
+                <a:latin typeface="Calibri"/>
+                <a:ea typeface="Calibri"/>
+                <a:cs typeface="Calibri"/>
+                <a:sym typeface="Calibri"/>
+              </a:rPr>
               <a:t>21</a:t>
             </a:fld>
-            <a:endParaRPr lang="en-US"/>
+            <a:endParaRPr lang="en-US" sz="1200" b="0" i="0" u="none" strike="noStrike" cap="none">
+              <a:solidFill>
+                <a:schemeClr val="dk1"/>
+              </a:solidFill>
+              <a:latin typeface="Calibri"/>
+              <a:ea typeface="Calibri"/>
+              <a:cs typeface="Calibri"/>
+              <a:sym typeface="Calibri"/>
+            </a:endParaRPr>
           </a:p>
         </p:txBody>
       </p:sp>
     </p:spTree>
     <p:extLst>
       <p:ext uri="{BB962C8B-B14F-4D97-AF65-F5344CB8AC3E}">
-        <p14:creationId xmlns:p14="http://schemas.microsoft.com/office/powerpoint/2010/main" val="2957730681"/>
+        <p14:creationId xmlns:p14="http://schemas.microsoft.com/office/powerpoint/2010/main" val="3911684959"/>
       </p:ext>
     </p:extLst>
   </p:cSld>
@@ -2627,7 +2737,7 @@
             <a:fld id="{CE1938E7-FCD4-418C-87D0-DD707A52F1FF}" type="datetimeFigureOut">
               <a:rPr lang="en-US" smtClean="0"/>
               <a:pPr/>
-              <a:t>5/5/2020</a:t>
+              <a:t>5/6/2020</a:t>
             </a:fld>
             <a:endParaRPr lang="en-US"/>
           </a:p>
@@ -2987,7 +3097,7 @@
             <a:fld id="{8137C1F2-90A3-446F-BCFF-405F7DDCB5CB}" type="datetime1">
               <a:rPr lang="en-US" smtClean="0"/>
               <a:pPr/>
-              <a:t>5/5/2020</a:t>
+              <a:t>5/6/2020</a:t>
             </a:fld>
             <a:endParaRPr lang="en-US" dirty="0"/>
           </a:p>
@@ -3205,7 +3315,7 @@
             <a:fld id="{CE1938E7-FCD4-418C-87D0-DD707A52F1FF}" type="datetimeFigureOut">
               <a:rPr lang="en-US" smtClean="0"/>
               <a:pPr/>
-              <a:t>5/5/2020</a:t>
+              <a:t>5/6/2020</a:t>
             </a:fld>
             <a:endParaRPr lang="en-US"/>
           </a:p>
@@ -4579,9 +4689,15 @@
         </p:spPr>
         <p:txBody>
           <a:bodyPr>
-            <a:normAutofit fontScale="85000" lnSpcReduction="10000"/>
+            <a:normAutofit fontScale="77500" lnSpcReduction="20000"/>
           </a:bodyPr>
           <a:lstStyle/>
+          <a:p>
+            <a:r>
+              <a:rPr lang="en-US" altLang="zh-CN" dirty="0"/>
+              <a:t>Each memory page is 4KB (STEP=4096 Bytes); Each cache block is 64 Bytes.</a:t>
+            </a:r>
+          </a:p>
           <a:p>
             <a:r>
               <a:rPr lang="en-US" altLang="zh-CN" dirty="0"/>
@@ -4617,7 +4733,7 @@
           <p:nvPr/>
         </p:nvPicPr>
         <p:blipFill>
-          <a:blip r:embed="rId2" cstate="print"/>
+          <a:blip r:embed="rId3" cstate="print"/>
           <a:stretch>
             <a:fillRect/>
           </a:stretch>
@@ -6596,6 +6712,139 @@
           <p:cNvPr id="2" name="标题 1">
             <a:extLst>
               <a:ext uri="{FF2B5EF4-FFF2-40B4-BE49-F238E27FC236}">
+                <a16:creationId xmlns:a16="http://schemas.microsoft.com/office/drawing/2014/main" id="{47E501D0-9BD4-49EB-BFB8-8B67AEFDE5E4}"/>
+              </a:ext>
+            </a:extLst>
+          </p:cNvPr>
+          <p:cNvSpPr>
+            <a:spLocks noGrp="1"/>
+          </p:cNvSpPr>
+          <p:nvPr>
+            <p:ph type="title"/>
+          </p:nvPr>
+        </p:nvSpPr>
+        <p:spPr/>
+        <p:txBody>
+          <a:bodyPr>
+            <a:normAutofit/>
+          </a:bodyPr>
+          <a:lstStyle/>
+          <a:p>
+            <a:r>
+              <a:rPr lang="en-US" altLang="zh-CN" dirty="0"/>
+              <a:t>Access Kernel Memory from User Space</a:t>
+            </a:r>
+            <a:endParaRPr lang="zh-CN" altLang="en-US" dirty="0"/>
+          </a:p>
+        </p:txBody>
+      </p:sp>
+      <p:sp>
+        <p:nvSpPr>
+          <p:cNvPr id="3" name="内容占位符 2">
+            <a:extLst>
+              <a:ext uri="{FF2B5EF4-FFF2-40B4-BE49-F238E27FC236}">
+                <a16:creationId xmlns:a16="http://schemas.microsoft.com/office/drawing/2014/main" id="{C6B9FA06-6D0F-42AA-BC0A-7CEB2517D210}"/>
+              </a:ext>
+            </a:extLst>
+          </p:cNvPr>
+          <p:cNvSpPr>
+            <a:spLocks noGrp="1"/>
+          </p:cNvSpPr>
+          <p:nvPr>
+            <p:ph idx="1"/>
+          </p:nvPr>
+        </p:nvSpPr>
+        <p:spPr>
+          <a:xfrm>
+            <a:off x="152400" y="4005064"/>
+            <a:ext cx="8839200" cy="2700536"/>
+          </a:xfrm>
+        </p:spPr>
+        <p:txBody>
+          <a:bodyPr/>
+          <a:lstStyle/>
+          <a:p>
+            <a:r>
+              <a:rPr lang="en-US" altLang="zh-CN" dirty="0"/>
+              <a:t>This program will crash, since you </a:t>
+            </a:r>
+            <a:r>
+              <a:rPr lang="en-US" altLang="zh-CN"/>
+              <a:t>are illegally </a:t>
+            </a:r>
+            <a:r>
+              <a:rPr lang="en-US" altLang="zh-CN" dirty="0"/>
+              <a:t>trying to access kernel memory from user space</a:t>
+            </a:r>
+            <a:endParaRPr lang="zh-CN" altLang="en-US" dirty="0"/>
+          </a:p>
+        </p:txBody>
+      </p:sp>
+      <p:pic>
+        <p:nvPicPr>
+          <p:cNvPr id="4" name="图片 3">
+            <a:extLst>
+              <a:ext uri="{FF2B5EF4-FFF2-40B4-BE49-F238E27FC236}">
+                <a16:creationId xmlns:a16="http://schemas.microsoft.com/office/drawing/2014/main" id="{B93B65FB-3984-4FB4-9752-7536B1D3726C}"/>
+              </a:ext>
+            </a:extLst>
+          </p:cNvPr>
+          <p:cNvPicPr>
+            <a:picLocks noChangeAspect="1"/>
+          </p:cNvPicPr>
+          <p:nvPr/>
+        </p:nvPicPr>
+        <p:blipFill>
+          <a:blip r:embed="rId2" cstate="print"/>
+          <a:stretch>
+            <a:fillRect/>
+          </a:stretch>
+        </p:blipFill>
+        <p:spPr>
+          <a:xfrm>
+            <a:off x="1079105" y="1815562"/>
+            <a:ext cx="6985790" cy="2016224"/>
+          </a:xfrm>
+          <a:prstGeom prst="rect">
+            <a:avLst/>
+          </a:prstGeom>
+        </p:spPr>
+      </p:pic>
+    </p:spTree>
+    <p:extLst>
+      <p:ext uri="{BB962C8B-B14F-4D97-AF65-F5344CB8AC3E}">
+        <p14:creationId xmlns:p14="http://schemas.microsoft.com/office/powerpoint/2010/main" val="743163344"/>
+      </p:ext>
+    </p:extLst>
+  </p:cSld>
+  <p:clrMapOvr>
+    <a:masterClrMapping/>
+  </p:clrMapOvr>
+</p:sld>
+</file>
+
+<file path=ppt/slides/slide17.xml><?xml version="1.0" encoding="utf-8"?>
+<p:sld xmlns:a="http://schemas.openxmlformats.org/drawingml/2006/main" xmlns:r="http://schemas.openxmlformats.org/officeDocument/2006/relationships" xmlns:p="http://schemas.openxmlformats.org/presentationml/2006/main">
+  <p:cSld>
+    <p:spTree>
+      <p:nvGrpSpPr>
+        <p:cNvPr id="1" name=""/>
+        <p:cNvGrpSpPr/>
+        <p:nvPr/>
+      </p:nvGrpSpPr>
+      <p:grpSpPr>
+        <a:xfrm>
+          <a:off x="0" y="0"/>
+          <a:ext cx="0" cy="0"/>
+          <a:chOff x="0" y="0"/>
+          <a:chExt cx="0" cy="0"/>
+        </a:xfrm>
+      </p:grpSpPr>
+      <p:sp>
+        <p:nvSpPr>
+          <p:cNvPr id="2" name="标题 1">
+            <a:extLst>
+              <a:ext uri="{FF2B5EF4-FFF2-40B4-BE49-F238E27FC236}">
                 <a16:creationId xmlns:a16="http://schemas.microsoft.com/office/drawing/2014/main" id="{68AE648B-E737-42E3-8D6E-FA6DCAAD6562}"/>
               </a:ext>
             </a:extLst>
@@ -7023,7 +7272,7 @@
 </p:sld>
 </file>
 
-<file path=ppt/slides/slide17.xml><?xml version="1.0" encoding="utf-8"?>
+<file path=ppt/slides/slide18.xml><?xml version="1.0" encoding="utf-8"?>
 <p:sld xmlns:a="http://schemas.openxmlformats.org/drawingml/2006/main" xmlns:r="http://schemas.openxmlformats.org/officeDocument/2006/relationships" xmlns:p="http://schemas.openxmlformats.org/presentationml/2006/main">
   <p:cSld>
     <p:spTree>
@@ -7574,7 +7823,7 @@
 </p:sld>
 </file>
 
-<file path=ppt/slides/slide18.xml><?xml version="1.0" encoding="utf-8"?>
+<file path=ppt/slides/slide19.xml><?xml version="1.0" encoding="utf-8"?>
 <p:sld xmlns:a="http://schemas.openxmlformats.org/drawingml/2006/main" xmlns:r="http://schemas.openxmlformats.org/officeDocument/2006/relationships" xmlns:p="http://schemas.openxmlformats.org/presentationml/2006/main">
   <p:cSld>
     <p:spTree>
@@ -7708,7 +7957,558 @@
 </p:sld>
 </file>
 
-<file path=ppt/slides/slide19.xml><?xml version="1.0" encoding="utf-8"?>
+<file path=ppt/slides/slide2.xml><?xml version="1.0" encoding="utf-8"?>
+<p:sld xmlns:a="http://schemas.openxmlformats.org/drawingml/2006/main" xmlns:r="http://schemas.openxmlformats.org/officeDocument/2006/relationships" xmlns:p="http://schemas.openxmlformats.org/presentationml/2006/main">
+  <p:cSld>
+    <p:spTree>
+      <p:nvGrpSpPr>
+        <p:cNvPr id="1" name=""/>
+        <p:cNvGrpSpPr/>
+        <p:nvPr/>
+      </p:nvGrpSpPr>
+      <p:grpSpPr>
+        <a:xfrm>
+          <a:off x="0" y="0"/>
+          <a:ext cx="0" cy="0"/>
+          <a:chOff x="0" y="0"/>
+          <a:chExt cx="0" cy="0"/>
+        </a:xfrm>
+      </p:grpSpPr>
+      <p:sp>
+        <p:nvSpPr>
+          <p:cNvPr id="2" name="Title 1"/>
+          <p:cNvSpPr>
+            <a:spLocks noGrp="1"/>
+          </p:cNvSpPr>
+          <p:nvPr>
+            <p:ph type="title"/>
+          </p:nvPr>
+        </p:nvSpPr>
+        <p:spPr>
+          <a:xfrm>
+            <a:off x="152400" y="-64242"/>
+            <a:ext cx="8839200" cy="1143000"/>
+          </a:xfrm>
+        </p:spPr>
+        <p:txBody>
+          <a:bodyPr/>
+          <a:lstStyle/>
+          <a:p>
+            <a:r>
+              <a:rPr lang="en-US" dirty="0"/>
+              <a:t>An Example of Side Channel Analysis</a:t>
+            </a:r>
+          </a:p>
+        </p:txBody>
+      </p:sp>
+      <p:graphicFrame>
+        <p:nvGraphicFramePr>
+          <p:cNvPr id="4" name="Table 3"/>
+          <p:cNvGraphicFramePr>
+            <a:graphicFrameLocks noGrp="1"/>
+          </p:cNvGraphicFramePr>
+          <p:nvPr/>
+        </p:nvGraphicFramePr>
+        <p:xfrm>
+          <a:off x="2047570" y="3740111"/>
+          <a:ext cx="5048861" cy="289560"/>
+        </p:xfrm>
+        <a:graphic>
+          <a:graphicData uri="http://schemas.openxmlformats.org/drawingml/2006/table">
+            <a:tbl>
+              <a:tblPr/>
+              <a:tblGrid>
+                <a:gridCol w="1687754">
+                  <a:extLst>
+                    <a:ext uri="{9D8B030D-6E8A-4147-A177-3AD203B41FA5}">
+                      <a16:colId xmlns:a16="http://schemas.microsoft.com/office/drawing/2014/main" val="20000"/>
+                    </a:ext>
+                  </a:extLst>
+                </a:gridCol>
+                <a:gridCol w="1640434">
+                  <a:extLst>
+                    <a:ext uri="{9D8B030D-6E8A-4147-A177-3AD203B41FA5}">
+                      <a16:colId xmlns:a16="http://schemas.microsoft.com/office/drawing/2014/main" val="20001"/>
+                    </a:ext>
+                  </a:extLst>
+                </a:gridCol>
+                <a:gridCol w="1720673">
+                  <a:extLst>
+                    <a:ext uri="{9D8B030D-6E8A-4147-A177-3AD203B41FA5}">
+                      <a16:colId xmlns:a16="http://schemas.microsoft.com/office/drawing/2014/main" val="20002"/>
+                    </a:ext>
+                  </a:extLst>
+                </a:gridCol>
+              </a:tblGrid>
+              <a:tr h="281940">
+                <a:tc>
+                  <a:txBody>
+                    <a:bodyPr/>
+                    <a:lstStyle/>
+                    <a:p>
+                      <a:pPr marL="0" marR="0" fontAlgn="t">
+                        <a:spcBef>
+                          <a:spcPts val="0"/>
+                        </a:spcBef>
+                        <a:spcAft>
+                          <a:spcPts val="0"/>
+                        </a:spcAft>
+                      </a:pPr>
+                      <a:endParaRPr lang="en-US" sz="1400" dirty="0">
+                        <a:effectLst/>
+                      </a:endParaRPr>
+                    </a:p>
+                  </a:txBody>
+                  <a:tcPr marL="38100" marR="38100" marT="38100" marB="38100">
+                    <a:lnL>
+                      <a:noFill/>
+                    </a:lnL>
+                    <a:lnR>
+                      <a:noFill/>
+                    </a:lnR>
+                    <a:lnT>
+                      <a:noFill/>
+                    </a:lnT>
+                    <a:lnB>
+                      <a:noFill/>
+                    </a:lnB>
+                  </a:tcPr>
+                </a:tc>
+                <a:tc>
+                  <a:txBody>
+                    <a:bodyPr/>
+                    <a:lstStyle/>
+                    <a:p>
+                      <a:pPr marL="0" marR="0" fontAlgn="t">
+                        <a:spcBef>
+                          <a:spcPts val="0"/>
+                        </a:spcBef>
+                        <a:spcAft>
+                          <a:spcPts val="0"/>
+                        </a:spcAft>
+                      </a:pPr>
+                      <a:endParaRPr lang="en-US" sz="1400">
+                        <a:effectLst/>
+                      </a:endParaRPr>
+                    </a:p>
+                  </a:txBody>
+                  <a:tcPr marL="38100" marR="38100" marT="38100" marB="38100">
+                    <a:lnL>
+                      <a:noFill/>
+                    </a:lnL>
+                    <a:lnR>
+                      <a:noFill/>
+                    </a:lnR>
+                    <a:lnT>
+                      <a:noFill/>
+                    </a:lnT>
+                    <a:lnB>
+                      <a:noFill/>
+                    </a:lnB>
+                  </a:tcPr>
+                </a:tc>
+                <a:tc>
+                  <a:txBody>
+                    <a:bodyPr/>
+                    <a:lstStyle/>
+                    <a:p>
+                      <a:pPr marL="0" marR="0" fontAlgn="t">
+                        <a:spcBef>
+                          <a:spcPts val="0"/>
+                        </a:spcBef>
+                        <a:spcAft>
+                          <a:spcPts val="0"/>
+                        </a:spcAft>
+                      </a:pPr>
+                      <a:endParaRPr lang="en-US" sz="1400" dirty="0">
+                        <a:effectLst/>
+                      </a:endParaRPr>
+                    </a:p>
+                  </a:txBody>
+                  <a:tcPr marL="38100" marR="38100" marT="38100" marB="38100">
+                    <a:lnL>
+                      <a:noFill/>
+                    </a:lnL>
+                    <a:lnR>
+                      <a:noFill/>
+                    </a:lnR>
+                    <a:lnT>
+                      <a:noFill/>
+                    </a:lnT>
+                    <a:lnB>
+                      <a:noFill/>
+                    </a:lnB>
+                  </a:tcPr>
+                </a:tc>
+                <a:extLst>
+                  <a:ext uri="{0D108BD9-81ED-4DB2-BD59-A6C34878D82A}">
+                    <a16:rowId xmlns:a16="http://schemas.microsoft.com/office/drawing/2014/main" val="10000"/>
+                  </a:ext>
+                </a:extLst>
+              </a:tr>
+            </a:tbl>
+          </a:graphicData>
+        </a:graphic>
+      </p:graphicFrame>
+      <p:pic>
+        <p:nvPicPr>
+          <p:cNvPr id="1025" name="Picture 1" descr="Machine generated alternative text:&#10;f"/>
+          <p:cNvPicPr>
+            <a:picLocks noChangeAspect="1" noChangeArrowheads="1"/>
+          </p:cNvPicPr>
+          <p:nvPr/>
+        </p:nvPicPr>
+        <p:blipFill>
+          <a:blip r:embed="rId2" cstate="print">
+            <a:extLst>
+              <a:ext uri="{28A0092B-C50C-407E-A947-70E740481C1C}">
+                <a14:useLocalDpi xmlns:a14="http://schemas.microsoft.com/office/drawing/2010/main" val="0"/>
+              </a:ext>
+            </a:extLst>
+          </a:blip>
+          <a:srcRect/>
+          <a:stretch>
+            <a:fillRect/>
+          </a:stretch>
+        </p:blipFill>
+        <p:spPr bwMode="auto">
+          <a:xfrm>
+            <a:off x="3032808" y="941381"/>
+            <a:ext cx="1319064" cy="1822706"/>
+          </a:xfrm>
+          <a:prstGeom prst="rect">
+            <a:avLst/>
+          </a:prstGeom>
+          <a:noFill/>
+          <a:extLst>
+            <a:ext uri="{909E8E84-426E-40DD-AFC4-6F175D3DCCD1}">
+              <a14:hiddenFill xmlns:a14="http://schemas.microsoft.com/office/drawing/2010/main">
+                <a:solidFill>
+                  <a:srgbClr val="FFFFFF"/>
+                </a:solidFill>
+              </a14:hiddenFill>
+            </a:ext>
+          </a:extLst>
+        </p:spPr>
+      </p:pic>
+      <p:pic>
+        <p:nvPicPr>
+          <p:cNvPr id="1026" name="Picture 2" descr="Machine generated alternative text:&#10;"/>
+          <p:cNvPicPr>
+            <a:picLocks noChangeAspect="1" noChangeArrowheads="1"/>
+          </p:cNvPicPr>
+          <p:nvPr/>
+        </p:nvPicPr>
+        <p:blipFill>
+          <a:blip r:embed="rId3">
+            <a:extLst>
+              <a:ext uri="{28A0092B-C50C-407E-A947-70E740481C1C}">
+                <a14:useLocalDpi xmlns:a14="http://schemas.microsoft.com/office/drawing/2010/main" val="0"/>
+              </a:ext>
+            </a:extLst>
+          </a:blip>
+          <a:srcRect/>
+          <a:stretch>
+            <a:fillRect/>
+          </a:stretch>
+        </p:blipFill>
+        <p:spPr bwMode="auto">
+          <a:xfrm>
+            <a:off x="1851344" y="890989"/>
+            <a:ext cx="1308923" cy="1822706"/>
+          </a:xfrm>
+          <a:prstGeom prst="rect">
+            <a:avLst/>
+          </a:prstGeom>
+          <a:noFill/>
+          <a:extLst>
+            <a:ext uri="{909E8E84-426E-40DD-AFC4-6F175D3DCCD1}">
+              <a14:hiddenFill xmlns:a14="http://schemas.microsoft.com/office/drawing/2010/main">
+                <a:solidFill>
+                  <a:srgbClr val="FFFFFF"/>
+                </a:solidFill>
+              </a14:hiddenFill>
+            </a:ext>
+          </a:extLst>
+        </p:spPr>
+      </p:pic>
+      <p:pic>
+        <p:nvPicPr>
+          <p:cNvPr id="1027" name="Picture 3" descr="Machine generated alternative text:&#10;f"/>
+          <p:cNvPicPr>
+            <a:picLocks noChangeAspect="1" noChangeArrowheads="1"/>
+          </p:cNvPicPr>
+          <p:nvPr/>
+        </p:nvPicPr>
+        <p:blipFill>
+          <a:blip r:embed="rId2" cstate="print">
+            <a:extLst>
+              <a:ext uri="{28A0092B-C50C-407E-A947-70E740481C1C}">
+                <a14:useLocalDpi xmlns:a14="http://schemas.microsoft.com/office/drawing/2010/main" val="0"/>
+              </a:ext>
+            </a:extLst>
+          </a:blip>
+          <a:srcRect/>
+          <a:stretch>
+            <a:fillRect/>
+          </a:stretch>
+        </p:blipFill>
+        <p:spPr bwMode="auto">
+          <a:xfrm>
+            <a:off x="659738" y="941382"/>
+            <a:ext cx="1319064" cy="1822706"/>
+          </a:xfrm>
+          <a:prstGeom prst="rect">
+            <a:avLst/>
+          </a:prstGeom>
+          <a:noFill/>
+          <a:extLst>
+            <a:ext uri="{909E8E84-426E-40DD-AFC4-6F175D3DCCD1}">
+              <a14:hiddenFill xmlns:a14="http://schemas.microsoft.com/office/drawing/2010/main">
+                <a:solidFill>
+                  <a:srgbClr val="FFFFFF"/>
+                </a:solidFill>
+              </a14:hiddenFill>
+            </a:ext>
+          </a:extLst>
+        </p:spPr>
+      </p:pic>
+      <p:pic>
+        <p:nvPicPr>
+          <p:cNvPr id="5" name="Picture 4"/>
+          <p:cNvPicPr>
+            <a:picLocks noChangeAspect="1"/>
+          </p:cNvPicPr>
+          <p:nvPr/>
+        </p:nvPicPr>
+        <p:blipFill>
+          <a:blip r:embed="rId4"/>
+          <a:stretch>
+            <a:fillRect/>
+          </a:stretch>
+        </p:blipFill>
+        <p:spPr>
+          <a:xfrm>
+            <a:off x="5645612" y="1120184"/>
+            <a:ext cx="825638" cy="1340715"/>
+          </a:xfrm>
+          <a:prstGeom prst="rect">
+            <a:avLst/>
+          </a:prstGeom>
+        </p:spPr>
+      </p:pic>
+      <mc:AlternateContent xmlns:mc="http://schemas.openxmlformats.org/markup-compatibility/2006">
+        <mc:Choice xmlns:p14="http://schemas.microsoft.com/office/powerpoint/2010/main" Requires="p14">
+          <p:contentPart p14:bwMode="auto" r:id="rId5">
+            <p14:nvContentPartPr>
+              <p14:cNvPr id="6" name="Ink 5"/>
+              <p14:cNvContentPartPr/>
+              <p14:nvPr/>
+            </p14:nvContentPartPr>
+            <p14:xfrm>
+              <a:off x="5451661" y="980728"/>
+              <a:ext cx="1424595" cy="1656184"/>
+            </p14:xfrm>
+          </p:contentPart>
+        </mc:Choice>
+        <mc:Fallback>
+          <p:pic>
+            <p:nvPicPr>
+              <p:cNvPr id="6" name="Ink 5"/>
+              <p:cNvPicPr/>
+              <p:nvPr/>
+            </p:nvPicPr>
+            <p:blipFill>
+              <a:blip r:embed="rId6"/>
+              <a:stretch>
+                <a:fillRect/>
+              </a:stretch>
+            </p:blipFill>
+            <p:spPr>
+              <a:xfrm>
+                <a:off x="5433665" y="962730"/>
+                <a:ext cx="1460228" cy="1691820"/>
+              </a:xfrm>
+              <a:prstGeom prst="rect">
+                <a:avLst/>
+              </a:prstGeom>
+            </p:spPr>
+          </p:pic>
+        </mc:Fallback>
+      </mc:AlternateContent>
+      <p:sp>
+        <p:nvSpPr>
+          <p:cNvPr id="9" name="Google Shape;95;p14">
+            <a:extLst>
+              <a:ext uri="{FF2B5EF4-FFF2-40B4-BE49-F238E27FC236}">
+                <a16:creationId xmlns:a16="http://schemas.microsoft.com/office/drawing/2014/main" id="{0F9E5659-7BA0-4987-A773-B412150ADE88}"/>
+              </a:ext>
+            </a:extLst>
+          </p:cNvPr>
+          <p:cNvSpPr txBox="1">
+            <a:spLocks noGrp="1"/>
+          </p:cNvSpPr>
+          <p:nvPr>
+            <p:ph type="body" idx="1"/>
+          </p:nvPr>
+        </p:nvSpPr>
+        <p:spPr>
+          <a:xfrm>
+            <a:off x="74267" y="2650050"/>
+            <a:ext cx="8995466" cy="4093913"/>
+          </a:xfrm>
+          <a:prstGeom prst="rect">
+            <a:avLst/>
+          </a:prstGeom>
+        </p:spPr>
+        <p:txBody>
+          <a:bodyPr spcFirstLastPara="1" vert="horz" wrap="square" lIns="68569" tIns="34275" rIns="68569" bIns="34275" rtlCol="0" anchor="t" anchorCtr="0">
+            <a:normAutofit fontScale="92500"/>
+          </a:bodyPr>
+          <a:lstStyle/>
+          <a:p>
+            <a:pPr indent="-304800">
+              <a:lnSpc>
+                <a:spcPct val="120000"/>
+              </a:lnSpc>
+              <a:spcBef>
+                <a:spcPts val="750"/>
+              </a:spcBef>
+              <a:buSzPts val="2800"/>
+            </a:pPr>
+            <a:r>
+              <a:rPr lang="en-US" sz="2400" dirty="0"/>
+              <a:t>Outside of the room: 3 light bulbs. Inside of the room: 3 light switches</a:t>
+            </a:r>
+          </a:p>
+          <a:p>
+            <a:pPr indent="-304800">
+              <a:lnSpc>
+                <a:spcPct val="120000"/>
+              </a:lnSpc>
+              <a:spcBef>
+                <a:spcPts val="750"/>
+              </a:spcBef>
+              <a:buSzPts val="2800"/>
+            </a:pPr>
+            <a:r>
+              <a:rPr lang="en-US" sz="2400" dirty="0"/>
+              <a:t>Q: Can you determine which light bulb is connected to which switch, by going into the room once and playing with the switches and then come out to check the lights?</a:t>
+            </a:r>
+          </a:p>
+          <a:p>
+            <a:pPr indent="-304800">
+              <a:lnSpc>
+                <a:spcPct val="120000"/>
+              </a:lnSpc>
+              <a:spcBef>
+                <a:spcPts val="750"/>
+              </a:spcBef>
+              <a:buSzPts val="2800"/>
+            </a:pPr>
+            <a:r>
+              <a:rPr lang="en-US" sz="2400" dirty="0"/>
+              <a:t>A: Yes. Initially all switches are off. Turn on switch 1, wait for 10 min, then turn on switch 2, and immediately come out. </a:t>
+            </a:r>
+          </a:p>
+          <a:p>
+            <a:pPr lvl="1" indent="-304800">
+              <a:lnSpc>
+                <a:spcPct val="120000"/>
+              </a:lnSpc>
+              <a:spcBef>
+                <a:spcPts val="750"/>
+              </a:spcBef>
+              <a:buSzPts val="2800"/>
+            </a:pPr>
+            <a:r>
+              <a:rPr lang="en-US" sz="1800" dirty="0"/>
+              <a:t>The light bulb that is lit and warm is connected to Switch 1; </a:t>
+            </a:r>
+          </a:p>
+          <a:p>
+            <a:pPr lvl="1" indent="-304800">
+              <a:lnSpc>
+                <a:spcPct val="120000"/>
+              </a:lnSpc>
+              <a:spcBef>
+                <a:spcPts val="750"/>
+              </a:spcBef>
+              <a:buSzPts val="2800"/>
+            </a:pPr>
+            <a:r>
+              <a:rPr lang="en-US" sz="1800" dirty="0"/>
+              <a:t>The light bulb that is lit and cold is connected to Switch 2; </a:t>
+            </a:r>
+          </a:p>
+          <a:p>
+            <a:pPr lvl="1" indent="-304800">
+              <a:lnSpc>
+                <a:spcPct val="120000"/>
+              </a:lnSpc>
+              <a:spcBef>
+                <a:spcPts val="750"/>
+              </a:spcBef>
+              <a:buSzPts val="2800"/>
+            </a:pPr>
+            <a:r>
+              <a:rPr lang="en-US" sz="1800" dirty="0"/>
+              <a:t>The light bulb that is not lit is connected to Switch 3; </a:t>
+            </a:r>
+            <a:endParaRPr sz="1800" dirty="0"/>
+          </a:p>
+        </p:txBody>
+      </p:sp>
+      <p:sp>
+        <p:nvSpPr>
+          <p:cNvPr id="3" name="TextBox 2">
+            <a:extLst>
+              <a:ext uri="{FF2B5EF4-FFF2-40B4-BE49-F238E27FC236}">
+                <a16:creationId xmlns:a16="http://schemas.microsoft.com/office/drawing/2014/main" id="{AA1FAD46-8BB6-4AE4-BFBD-59F6C0A0EA82}"/>
+              </a:ext>
+            </a:extLst>
+          </p:cNvPr>
+          <p:cNvSpPr txBox="1"/>
+          <p:nvPr/>
+        </p:nvSpPr>
+        <p:spPr>
+          <a:xfrm>
+            <a:off x="7019766" y="1690589"/>
+            <a:ext cx="914161" cy="461665"/>
+          </a:xfrm>
+          <a:prstGeom prst="rect">
+            <a:avLst/>
+          </a:prstGeom>
+          <a:noFill/>
+        </p:spPr>
+        <p:txBody>
+          <a:bodyPr wrap="none" rtlCol="0">
+            <a:spAutoFit/>
+          </a:bodyPr>
+          <a:lstStyle/>
+          <a:p>
+            <a:r>
+              <a:rPr lang="en-US" sz="2400" dirty="0"/>
+              <a:t>Room</a:t>
+            </a:r>
+            <a:endParaRPr lang="en-SE" sz="2400" dirty="0"/>
+          </a:p>
+        </p:txBody>
+      </p:sp>
+    </p:spTree>
+    <p:extLst>
+      <p:ext uri="{BB962C8B-B14F-4D97-AF65-F5344CB8AC3E}">
+        <p14:creationId xmlns:p14="http://schemas.microsoft.com/office/powerpoint/2010/main" val="905395943"/>
+      </p:ext>
+    </p:extLst>
+  </p:cSld>
+  <p:clrMapOvr>
+    <a:masterClrMapping/>
+  </p:clrMapOvr>
+</p:sld>
+</file>
+
+<file path=ppt/slides/slide20.xml><?xml version="1.0" encoding="utf-8"?>
 <p:sld xmlns:a="http://schemas.openxmlformats.org/drawingml/2006/main" xmlns:r="http://schemas.openxmlformats.org/officeDocument/2006/relationships" xmlns:p="http://schemas.openxmlformats.org/presentationml/2006/main">
   <p:cSld>
     <p:spTree>
@@ -8938,558 +9738,7 @@
 </p:sld>
 </file>
 
-<file path=ppt/slides/slide2.xml><?xml version="1.0" encoding="utf-8"?>
-<p:sld xmlns:a="http://schemas.openxmlformats.org/drawingml/2006/main" xmlns:r="http://schemas.openxmlformats.org/officeDocument/2006/relationships" xmlns:p="http://schemas.openxmlformats.org/presentationml/2006/main">
-  <p:cSld>
-    <p:spTree>
-      <p:nvGrpSpPr>
-        <p:cNvPr id="1" name=""/>
-        <p:cNvGrpSpPr/>
-        <p:nvPr/>
-      </p:nvGrpSpPr>
-      <p:grpSpPr>
-        <a:xfrm>
-          <a:off x="0" y="0"/>
-          <a:ext cx="0" cy="0"/>
-          <a:chOff x="0" y="0"/>
-          <a:chExt cx="0" cy="0"/>
-        </a:xfrm>
-      </p:grpSpPr>
-      <p:sp>
-        <p:nvSpPr>
-          <p:cNvPr id="2" name="Title 1"/>
-          <p:cNvSpPr>
-            <a:spLocks noGrp="1"/>
-          </p:cNvSpPr>
-          <p:nvPr>
-            <p:ph type="title"/>
-          </p:nvPr>
-        </p:nvSpPr>
-        <p:spPr>
-          <a:xfrm>
-            <a:off x="152400" y="-64242"/>
-            <a:ext cx="8839200" cy="1143000"/>
-          </a:xfrm>
-        </p:spPr>
-        <p:txBody>
-          <a:bodyPr/>
-          <a:lstStyle/>
-          <a:p>
-            <a:r>
-              <a:rPr lang="en-US" dirty="0"/>
-              <a:t>Microsoft Interview Question</a:t>
-            </a:r>
-          </a:p>
-        </p:txBody>
-      </p:sp>
-      <p:graphicFrame>
-        <p:nvGraphicFramePr>
-          <p:cNvPr id="4" name="Table 3"/>
-          <p:cNvGraphicFramePr>
-            <a:graphicFrameLocks noGrp="1"/>
-          </p:cNvGraphicFramePr>
-          <p:nvPr/>
-        </p:nvGraphicFramePr>
-        <p:xfrm>
-          <a:off x="2047570" y="3740111"/>
-          <a:ext cx="5048861" cy="289560"/>
-        </p:xfrm>
-        <a:graphic>
-          <a:graphicData uri="http://schemas.openxmlformats.org/drawingml/2006/table">
-            <a:tbl>
-              <a:tblPr/>
-              <a:tblGrid>
-                <a:gridCol w="1687754">
-                  <a:extLst>
-                    <a:ext uri="{9D8B030D-6E8A-4147-A177-3AD203B41FA5}">
-                      <a16:colId xmlns:a16="http://schemas.microsoft.com/office/drawing/2014/main" val="20000"/>
-                    </a:ext>
-                  </a:extLst>
-                </a:gridCol>
-                <a:gridCol w="1640434">
-                  <a:extLst>
-                    <a:ext uri="{9D8B030D-6E8A-4147-A177-3AD203B41FA5}">
-                      <a16:colId xmlns:a16="http://schemas.microsoft.com/office/drawing/2014/main" val="20001"/>
-                    </a:ext>
-                  </a:extLst>
-                </a:gridCol>
-                <a:gridCol w="1720673">
-                  <a:extLst>
-                    <a:ext uri="{9D8B030D-6E8A-4147-A177-3AD203B41FA5}">
-                      <a16:colId xmlns:a16="http://schemas.microsoft.com/office/drawing/2014/main" val="20002"/>
-                    </a:ext>
-                  </a:extLst>
-                </a:gridCol>
-              </a:tblGrid>
-              <a:tr h="281940">
-                <a:tc>
-                  <a:txBody>
-                    <a:bodyPr/>
-                    <a:lstStyle/>
-                    <a:p>
-                      <a:pPr marL="0" marR="0" fontAlgn="t">
-                        <a:spcBef>
-                          <a:spcPts val="0"/>
-                        </a:spcBef>
-                        <a:spcAft>
-                          <a:spcPts val="0"/>
-                        </a:spcAft>
-                      </a:pPr>
-                      <a:endParaRPr lang="en-US" sz="1400" dirty="0">
-                        <a:effectLst/>
-                      </a:endParaRPr>
-                    </a:p>
-                  </a:txBody>
-                  <a:tcPr marL="38100" marR="38100" marT="38100" marB="38100">
-                    <a:lnL>
-                      <a:noFill/>
-                    </a:lnL>
-                    <a:lnR>
-                      <a:noFill/>
-                    </a:lnR>
-                    <a:lnT>
-                      <a:noFill/>
-                    </a:lnT>
-                    <a:lnB>
-                      <a:noFill/>
-                    </a:lnB>
-                  </a:tcPr>
-                </a:tc>
-                <a:tc>
-                  <a:txBody>
-                    <a:bodyPr/>
-                    <a:lstStyle/>
-                    <a:p>
-                      <a:pPr marL="0" marR="0" fontAlgn="t">
-                        <a:spcBef>
-                          <a:spcPts val="0"/>
-                        </a:spcBef>
-                        <a:spcAft>
-                          <a:spcPts val="0"/>
-                        </a:spcAft>
-                      </a:pPr>
-                      <a:endParaRPr lang="en-US" sz="1400">
-                        <a:effectLst/>
-                      </a:endParaRPr>
-                    </a:p>
-                  </a:txBody>
-                  <a:tcPr marL="38100" marR="38100" marT="38100" marB="38100">
-                    <a:lnL>
-                      <a:noFill/>
-                    </a:lnL>
-                    <a:lnR>
-                      <a:noFill/>
-                    </a:lnR>
-                    <a:lnT>
-                      <a:noFill/>
-                    </a:lnT>
-                    <a:lnB>
-                      <a:noFill/>
-                    </a:lnB>
-                  </a:tcPr>
-                </a:tc>
-                <a:tc>
-                  <a:txBody>
-                    <a:bodyPr/>
-                    <a:lstStyle/>
-                    <a:p>
-                      <a:pPr marL="0" marR="0" fontAlgn="t">
-                        <a:spcBef>
-                          <a:spcPts val="0"/>
-                        </a:spcBef>
-                        <a:spcAft>
-                          <a:spcPts val="0"/>
-                        </a:spcAft>
-                      </a:pPr>
-                      <a:endParaRPr lang="en-US" sz="1400" dirty="0">
-                        <a:effectLst/>
-                      </a:endParaRPr>
-                    </a:p>
-                  </a:txBody>
-                  <a:tcPr marL="38100" marR="38100" marT="38100" marB="38100">
-                    <a:lnL>
-                      <a:noFill/>
-                    </a:lnL>
-                    <a:lnR>
-                      <a:noFill/>
-                    </a:lnR>
-                    <a:lnT>
-                      <a:noFill/>
-                    </a:lnT>
-                    <a:lnB>
-                      <a:noFill/>
-                    </a:lnB>
-                  </a:tcPr>
-                </a:tc>
-                <a:extLst>
-                  <a:ext uri="{0D108BD9-81ED-4DB2-BD59-A6C34878D82A}">
-                    <a16:rowId xmlns:a16="http://schemas.microsoft.com/office/drawing/2014/main" val="10000"/>
-                  </a:ext>
-                </a:extLst>
-              </a:tr>
-            </a:tbl>
-          </a:graphicData>
-        </a:graphic>
-      </p:graphicFrame>
-      <p:pic>
-        <p:nvPicPr>
-          <p:cNvPr id="1025" name="Picture 1" descr="Machine generated alternative text:&#10;f"/>
-          <p:cNvPicPr>
-            <a:picLocks noChangeAspect="1" noChangeArrowheads="1"/>
-          </p:cNvPicPr>
-          <p:nvPr/>
-        </p:nvPicPr>
-        <p:blipFill>
-          <a:blip r:embed="rId2" cstate="print">
-            <a:extLst>
-              <a:ext uri="{28A0092B-C50C-407E-A947-70E740481C1C}">
-                <a14:useLocalDpi xmlns:a14="http://schemas.microsoft.com/office/drawing/2010/main" val="0"/>
-              </a:ext>
-            </a:extLst>
-          </a:blip>
-          <a:srcRect/>
-          <a:stretch>
-            <a:fillRect/>
-          </a:stretch>
-        </p:blipFill>
-        <p:spPr bwMode="auto">
-          <a:xfrm>
-            <a:off x="3032808" y="941381"/>
-            <a:ext cx="1319064" cy="1822706"/>
-          </a:xfrm>
-          <a:prstGeom prst="rect">
-            <a:avLst/>
-          </a:prstGeom>
-          <a:noFill/>
-          <a:extLst>
-            <a:ext uri="{909E8E84-426E-40DD-AFC4-6F175D3DCCD1}">
-              <a14:hiddenFill xmlns:a14="http://schemas.microsoft.com/office/drawing/2010/main">
-                <a:solidFill>
-                  <a:srgbClr val="FFFFFF"/>
-                </a:solidFill>
-              </a14:hiddenFill>
-            </a:ext>
-          </a:extLst>
-        </p:spPr>
-      </p:pic>
-      <p:pic>
-        <p:nvPicPr>
-          <p:cNvPr id="1026" name="Picture 2" descr="Machine generated alternative text:&#10;"/>
-          <p:cNvPicPr>
-            <a:picLocks noChangeAspect="1" noChangeArrowheads="1"/>
-          </p:cNvPicPr>
-          <p:nvPr/>
-        </p:nvPicPr>
-        <p:blipFill>
-          <a:blip r:embed="rId3">
-            <a:extLst>
-              <a:ext uri="{28A0092B-C50C-407E-A947-70E740481C1C}">
-                <a14:useLocalDpi xmlns:a14="http://schemas.microsoft.com/office/drawing/2010/main" val="0"/>
-              </a:ext>
-            </a:extLst>
-          </a:blip>
-          <a:srcRect/>
-          <a:stretch>
-            <a:fillRect/>
-          </a:stretch>
-        </p:blipFill>
-        <p:spPr bwMode="auto">
-          <a:xfrm>
-            <a:off x="1851344" y="890989"/>
-            <a:ext cx="1308923" cy="1822706"/>
-          </a:xfrm>
-          <a:prstGeom prst="rect">
-            <a:avLst/>
-          </a:prstGeom>
-          <a:noFill/>
-          <a:extLst>
-            <a:ext uri="{909E8E84-426E-40DD-AFC4-6F175D3DCCD1}">
-              <a14:hiddenFill xmlns:a14="http://schemas.microsoft.com/office/drawing/2010/main">
-                <a:solidFill>
-                  <a:srgbClr val="FFFFFF"/>
-                </a:solidFill>
-              </a14:hiddenFill>
-            </a:ext>
-          </a:extLst>
-        </p:spPr>
-      </p:pic>
-      <p:pic>
-        <p:nvPicPr>
-          <p:cNvPr id="1027" name="Picture 3" descr="Machine generated alternative text:&#10;f"/>
-          <p:cNvPicPr>
-            <a:picLocks noChangeAspect="1" noChangeArrowheads="1"/>
-          </p:cNvPicPr>
-          <p:nvPr/>
-        </p:nvPicPr>
-        <p:blipFill>
-          <a:blip r:embed="rId2" cstate="print">
-            <a:extLst>
-              <a:ext uri="{28A0092B-C50C-407E-A947-70E740481C1C}">
-                <a14:useLocalDpi xmlns:a14="http://schemas.microsoft.com/office/drawing/2010/main" val="0"/>
-              </a:ext>
-            </a:extLst>
-          </a:blip>
-          <a:srcRect/>
-          <a:stretch>
-            <a:fillRect/>
-          </a:stretch>
-        </p:blipFill>
-        <p:spPr bwMode="auto">
-          <a:xfrm>
-            <a:off x="659738" y="941382"/>
-            <a:ext cx="1319064" cy="1822706"/>
-          </a:xfrm>
-          <a:prstGeom prst="rect">
-            <a:avLst/>
-          </a:prstGeom>
-          <a:noFill/>
-          <a:extLst>
-            <a:ext uri="{909E8E84-426E-40DD-AFC4-6F175D3DCCD1}">
-              <a14:hiddenFill xmlns:a14="http://schemas.microsoft.com/office/drawing/2010/main">
-                <a:solidFill>
-                  <a:srgbClr val="FFFFFF"/>
-                </a:solidFill>
-              </a14:hiddenFill>
-            </a:ext>
-          </a:extLst>
-        </p:spPr>
-      </p:pic>
-      <p:pic>
-        <p:nvPicPr>
-          <p:cNvPr id="5" name="Picture 4"/>
-          <p:cNvPicPr>
-            <a:picLocks noChangeAspect="1"/>
-          </p:cNvPicPr>
-          <p:nvPr/>
-        </p:nvPicPr>
-        <p:blipFill>
-          <a:blip r:embed="rId4"/>
-          <a:stretch>
-            <a:fillRect/>
-          </a:stretch>
-        </p:blipFill>
-        <p:spPr>
-          <a:xfrm>
-            <a:off x="7256887" y="1319701"/>
-            <a:ext cx="1060331" cy="1721822"/>
-          </a:xfrm>
-          <a:prstGeom prst="rect">
-            <a:avLst/>
-          </a:prstGeom>
-        </p:spPr>
-      </p:pic>
-      <mc:AlternateContent xmlns:mc="http://schemas.openxmlformats.org/markup-compatibility/2006" xmlns:p14="http://schemas.microsoft.com/office/powerpoint/2010/main">
-        <mc:Choice Requires="p14">
-          <p:contentPart p14:bwMode="auto" r:id="rId5">
-            <p14:nvContentPartPr>
-              <p14:cNvPr id="6" name="Ink 5"/>
-              <p14:cNvContentPartPr/>
-              <p14:nvPr/>
-            </p14:nvContentPartPr>
-            <p14:xfrm>
-              <a:off x="5451661" y="980728"/>
-              <a:ext cx="3539939" cy="3550024"/>
-            </p14:xfrm>
-          </p:contentPart>
-        </mc:Choice>
-        <mc:Fallback xmlns="">
-          <p:pic>
-            <p:nvPicPr>
-              <p:cNvPr id="6" name="Ink 5"/>
-              <p:cNvPicPr/>
-              <p:nvPr/>
-            </p:nvPicPr>
-            <p:blipFill>
-              <a:blip r:embed="rId6"/>
-              <a:stretch>
-                <a:fillRect/>
-              </a:stretch>
-            </p:blipFill>
-            <p:spPr>
-              <a:xfrm>
-                <a:off x="5433663" y="962728"/>
-                <a:ext cx="3575576" cy="3585665"/>
-              </a:xfrm>
-              <a:prstGeom prst="rect">
-                <a:avLst/>
-              </a:prstGeom>
-            </p:spPr>
-          </p:pic>
-        </mc:Fallback>
-      </mc:AlternateContent>
-      <p:sp>
-        <p:nvSpPr>
-          <p:cNvPr id="9" name="Google Shape;95;p14">
-            <a:extLst>
-              <a:ext uri="{FF2B5EF4-FFF2-40B4-BE49-F238E27FC236}">
-                <a16:creationId xmlns:a16="http://schemas.microsoft.com/office/drawing/2014/main" id="{0F9E5659-7BA0-4987-A773-B412150ADE88}"/>
-              </a:ext>
-            </a:extLst>
-          </p:cNvPr>
-          <p:cNvSpPr txBox="1">
-            <a:spLocks noGrp="1"/>
-          </p:cNvSpPr>
-          <p:nvPr>
-            <p:ph type="body" idx="1"/>
-          </p:nvPr>
-        </p:nvSpPr>
-        <p:spPr>
-          <a:xfrm>
-            <a:off x="41030" y="2764086"/>
-            <a:ext cx="5392045" cy="4093913"/>
-          </a:xfrm>
-          <a:prstGeom prst="rect">
-            <a:avLst/>
-          </a:prstGeom>
-        </p:spPr>
-        <p:txBody>
-          <a:bodyPr spcFirstLastPara="1" vert="horz" wrap="square" lIns="68569" tIns="34275" rIns="68569" bIns="34275" rtlCol="0" anchor="t" anchorCtr="0">
-            <a:normAutofit fontScale="92500" lnSpcReduction="10000"/>
-          </a:bodyPr>
-          <a:lstStyle/>
-          <a:p>
-            <a:pPr indent="-304800">
-              <a:lnSpc>
-                <a:spcPct val="120000"/>
-              </a:lnSpc>
-              <a:spcBef>
-                <a:spcPts val="750"/>
-              </a:spcBef>
-              <a:buSzPts val="2800"/>
-            </a:pPr>
-            <a:r>
-              <a:rPr lang="en-US" sz="1800" dirty="0"/>
-              <a:t>Outside of the room: 3 light bulbs. Inside of the room: 3 light switches</a:t>
-            </a:r>
-          </a:p>
-          <a:p>
-            <a:pPr indent="-304800">
-              <a:lnSpc>
-                <a:spcPct val="120000"/>
-              </a:lnSpc>
-              <a:spcBef>
-                <a:spcPts val="750"/>
-              </a:spcBef>
-              <a:buSzPts val="2800"/>
-            </a:pPr>
-            <a:r>
-              <a:rPr lang="en-US" sz="1800" dirty="0"/>
-              <a:t>Q: Can you determine which light bulb is connected to which switch, by going into the room once and playing with the switches and then come out to check the lights?</a:t>
-            </a:r>
-          </a:p>
-          <a:p>
-            <a:pPr indent="-304800">
-              <a:lnSpc>
-                <a:spcPct val="120000"/>
-              </a:lnSpc>
-              <a:spcBef>
-                <a:spcPts val="750"/>
-              </a:spcBef>
-              <a:buSzPts val="2800"/>
-            </a:pPr>
-            <a:r>
-              <a:rPr lang="en-US" sz="1800" dirty="0"/>
-              <a:t>A: Yes. Initially all switches are off. Turn on switch 1, wait for 10 min, then turn on switch 2, and immediately come out. </a:t>
-            </a:r>
-          </a:p>
-          <a:p>
-            <a:pPr lvl="1" indent="-304800">
-              <a:lnSpc>
-                <a:spcPct val="120000"/>
-              </a:lnSpc>
-              <a:spcBef>
-                <a:spcPts val="750"/>
-              </a:spcBef>
-              <a:buSzPts val="2800"/>
-            </a:pPr>
-            <a:r>
-              <a:rPr lang="en-US" sz="1400" dirty="0"/>
-              <a:t>The light bulb that is lit and warm is connected to Switch 1; </a:t>
-            </a:r>
-          </a:p>
-          <a:p>
-            <a:pPr lvl="1" indent="-304800">
-              <a:lnSpc>
-                <a:spcPct val="120000"/>
-              </a:lnSpc>
-              <a:spcBef>
-                <a:spcPts val="750"/>
-              </a:spcBef>
-              <a:buSzPts val="2800"/>
-            </a:pPr>
-            <a:r>
-              <a:rPr lang="en-US" sz="1400" dirty="0"/>
-              <a:t>The light bulb that is lit and cold is connected to Switch 2; </a:t>
-            </a:r>
-          </a:p>
-          <a:p>
-            <a:pPr lvl="1" indent="-304800">
-              <a:lnSpc>
-                <a:spcPct val="120000"/>
-              </a:lnSpc>
-              <a:spcBef>
-                <a:spcPts val="750"/>
-              </a:spcBef>
-              <a:buSzPts val="2800"/>
-            </a:pPr>
-            <a:r>
-              <a:rPr lang="en-US" sz="1400" dirty="0"/>
-              <a:t>The light bulb that is not lit is connected to Switch 3; </a:t>
-            </a:r>
-            <a:endParaRPr sz="1400" dirty="0"/>
-          </a:p>
-        </p:txBody>
-      </p:sp>
-      <p:sp>
-        <p:nvSpPr>
-          <p:cNvPr id="3" name="TextBox 2">
-            <a:extLst>
-              <a:ext uri="{FF2B5EF4-FFF2-40B4-BE49-F238E27FC236}">
-                <a16:creationId xmlns:a16="http://schemas.microsoft.com/office/drawing/2014/main" id="{AA1FAD46-8BB6-4AE4-BFBD-59F6C0A0EA82}"/>
-              </a:ext>
-            </a:extLst>
-          </p:cNvPr>
-          <p:cNvSpPr txBox="1"/>
-          <p:nvPr/>
-        </p:nvSpPr>
-        <p:spPr>
-          <a:xfrm>
-            <a:off x="5433076" y="4071097"/>
-            <a:ext cx="914161" cy="461665"/>
-          </a:xfrm>
-          <a:prstGeom prst="rect">
-            <a:avLst/>
-          </a:prstGeom>
-          <a:noFill/>
-        </p:spPr>
-        <p:txBody>
-          <a:bodyPr wrap="none" rtlCol="0">
-            <a:spAutoFit/>
-          </a:bodyPr>
-          <a:lstStyle/>
-          <a:p>
-            <a:r>
-              <a:rPr lang="en-US" sz="2400" dirty="0"/>
-              <a:t>Room</a:t>
-            </a:r>
-            <a:endParaRPr lang="en-SE" sz="2400" dirty="0"/>
-          </a:p>
-        </p:txBody>
-      </p:sp>
-    </p:spTree>
-    <p:extLst>
-      <p:ext uri="{BB962C8B-B14F-4D97-AF65-F5344CB8AC3E}">
-        <p14:creationId xmlns:p14="http://schemas.microsoft.com/office/powerpoint/2010/main" val="905395943"/>
-      </p:ext>
-    </p:extLst>
-  </p:cSld>
-  <p:clrMapOvr>
-    <a:masterClrMapping/>
-  </p:clrMapOvr>
-</p:sld>
-</file>
-
-<file path=ppt/slides/slide20.xml><?xml version="1.0" encoding="utf-8"?>
+<file path=ppt/slides/slide21.xml><?xml version="1.0" encoding="utf-8"?>
 <p:sld xmlns:a="http://schemas.openxmlformats.org/drawingml/2006/main" xmlns:r="http://schemas.openxmlformats.org/officeDocument/2006/relationships" xmlns:p="http://schemas.openxmlformats.org/presentationml/2006/main">
   <p:cSld>
     <p:spTree>
@@ -11108,7 +11357,7 @@
 </p:sld>
 </file>
 
-<file path=ppt/slides/slide21.xml><?xml version="1.0" encoding="utf-8"?>
+<file path=ppt/slides/slide22.xml><?xml version="1.0" encoding="utf-8"?>
 <p:sld xmlns:a="http://schemas.openxmlformats.org/drawingml/2006/main" xmlns:r="http://schemas.openxmlformats.org/officeDocument/2006/relationships" xmlns:p="http://schemas.openxmlformats.org/presentationml/2006/main">
   <p:cSld>
     <p:spTree>
@@ -11386,7 +11635,7 @@
 </p:sld>
 </file>
 
-<file path=ppt/slides/slide22.xml><?xml version="1.0" encoding="utf-8"?>
+<file path=ppt/slides/slide23.xml><?xml version="1.0" encoding="utf-8"?>
 <p:sld xmlns:a="http://schemas.openxmlformats.org/drawingml/2006/main" xmlns:r="http://schemas.openxmlformats.org/officeDocument/2006/relationships" xmlns:p="http://schemas.openxmlformats.org/presentationml/2006/main">
   <p:cSld>
     <p:spTree>
@@ -11475,7 +11724,7 @@
 </p:sld>
 </file>
 
-<file path=ppt/slides/slide23.xml><?xml version="1.0" encoding="utf-8"?>
+<file path=ppt/slides/slide24.xml><?xml version="1.0" encoding="utf-8"?>
 <p:sld xmlns:a="http://schemas.openxmlformats.org/drawingml/2006/main" xmlns:r="http://schemas.openxmlformats.org/officeDocument/2006/relationships" xmlns:p="http://schemas.openxmlformats.org/presentationml/2006/main">
   <p:cSld>
     <p:spTree>
@@ -11539,7 +11788,7 @@
             <a:fld id="{3CC63E4C-4642-794D-A2FD-70F6B81535F5}" type="slidenum">
               <a:rPr lang="en-US" smtClean="0"/>
               <a:pPr/>
-              <a:t>23</a:t>
+              <a:t>24</a:t>
             </a:fld>
             <a:endParaRPr lang="en-US" dirty="0"/>
           </a:p>
@@ -13780,7 +14029,7 @@
 </p:sld>
 </file>
 
-<file path=ppt/slides/slide24.xml><?xml version="1.0" encoding="utf-8"?>
+<file path=ppt/slides/slide25.xml><?xml version="1.0" encoding="utf-8"?>
 <p:sld xmlns:a="http://schemas.openxmlformats.org/drawingml/2006/main" xmlns:r="http://schemas.openxmlformats.org/officeDocument/2006/relationships" xmlns:p="http://schemas.openxmlformats.org/presentationml/2006/main">
   <p:cSld>
     <p:spTree>
@@ -14297,7 +14546,7 @@
             <a:fld id="{3CC63E4C-4642-794D-A2FD-70F6B81535F5}" type="slidenum">
               <a:rPr lang="en-US" smtClean="0"/>
               <a:pPr/>
-              <a:t>24</a:t>
+              <a:t>25</a:t>
             </a:fld>
             <a:endParaRPr lang="en-US" dirty="0"/>
           </a:p>
@@ -15861,7 +16110,7 @@
 </p:sld>
 </file>
 
-<file path=ppt/slides/slide25.xml><?xml version="1.0" encoding="utf-8"?>
+<file path=ppt/slides/slide26.xml><?xml version="1.0" encoding="utf-8"?>
 <p:sld xmlns:a="http://schemas.openxmlformats.org/drawingml/2006/main" xmlns:r="http://schemas.openxmlformats.org/officeDocument/2006/relationships" xmlns:p="http://schemas.openxmlformats.org/presentationml/2006/main">
   <p:cSld>
     <p:spTree>
@@ -18601,7 +18850,7 @@
 </p:sld>
 </file>
 
-<file path=ppt/slides/slide26.xml><?xml version="1.0" encoding="utf-8"?>
+<file path=ppt/slides/slide27.xml><?xml version="1.0" encoding="utf-8"?>
 <p:sld xmlns:a="http://schemas.openxmlformats.org/drawingml/2006/main" xmlns:r="http://schemas.openxmlformats.org/officeDocument/2006/relationships" xmlns:p="http://schemas.openxmlformats.org/presentationml/2006/main">
   <p:cSld>
     <p:spTree>
@@ -18790,7 +19039,7 @@
 </p:sld>
 </file>
 
-<file path=ppt/slides/slide27.xml><?xml version="1.0" encoding="utf-8"?>
+<file path=ppt/slides/slide28.xml><?xml version="1.0" encoding="utf-8"?>
 <p:sld xmlns:a="http://schemas.openxmlformats.org/drawingml/2006/main" xmlns:r="http://schemas.openxmlformats.org/officeDocument/2006/relationships" xmlns:p="http://schemas.openxmlformats.org/presentationml/2006/main">
   <p:cSld>
     <p:spTree>
@@ -19370,7 +19619,7 @@
 </p:sld>
 </file>
 
-<file path=ppt/slides/slide28.xml><?xml version="1.0" encoding="utf-8"?>
+<file path=ppt/slides/slide29.xml><?xml version="1.0" encoding="utf-8"?>
 <p:sld xmlns:a="http://schemas.openxmlformats.org/drawingml/2006/main" xmlns:r="http://schemas.openxmlformats.org/officeDocument/2006/relationships" xmlns:p="http://schemas.openxmlformats.org/presentationml/2006/main">
   <p:cSld>
     <p:spTree>
@@ -19754,7 +20003,484 @@
 </p:sld>
 </file>
 
-<file path=ppt/slides/slide29.xml><?xml version="1.0" encoding="utf-8"?>
+<file path=ppt/slides/slide3.xml><?xml version="1.0" encoding="utf-8"?>
+<p:sld xmlns:a="http://schemas.openxmlformats.org/drawingml/2006/main" xmlns:r="http://schemas.openxmlformats.org/officeDocument/2006/relationships" xmlns:p="http://schemas.openxmlformats.org/presentationml/2006/main">
+  <p:cSld>
+    <p:spTree>
+      <p:nvGrpSpPr>
+        <p:cNvPr id="1" name=""/>
+        <p:cNvGrpSpPr/>
+        <p:nvPr/>
+      </p:nvGrpSpPr>
+      <p:grpSpPr>
+        <a:xfrm>
+          <a:off x="0" y="0"/>
+          <a:ext cx="0" cy="0"/>
+          <a:chOff x="0" y="0"/>
+          <a:chExt cx="0" cy="0"/>
+        </a:xfrm>
+      </p:grpSpPr>
+      <p:sp>
+        <p:nvSpPr>
+          <p:cNvPr id="1426434" name="Rectangle 2"/>
+          <p:cNvSpPr>
+            <a:spLocks noGrp="1" noChangeArrowheads="1"/>
+          </p:cNvSpPr>
+          <p:nvPr>
+            <p:ph type="title"/>
+          </p:nvPr>
+        </p:nvSpPr>
+        <p:spPr/>
+        <p:txBody>
+          <a:bodyPr>
+            <a:normAutofit/>
+          </a:bodyPr>
+          <a:lstStyle/>
+          <a:p>
+            <a:r>
+              <a:rPr lang="en-US" sz="3600" dirty="0"/>
+              <a:t>Memory Hierarchy</a:t>
+            </a:r>
+          </a:p>
+        </p:txBody>
+      </p:sp>
+      <p:sp>
+        <p:nvSpPr>
+          <p:cNvPr id="1426436" name="Rectangle 4"/>
+          <p:cNvSpPr>
+            <a:spLocks noChangeArrowheads="1"/>
+          </p:cNvSpPr>
+          <p:nvPr/>
+        </p:nvSpPr>
+        <p:spPr bwMode="auto">
+          <a:xfrm>
+            <a:off x="5220072" y="1700808"/>
+            <a:ext cx="3923928" cy="4237700"/>
+          </a:xfrm>
+          <a:prstGeom prst="rect">
+            <a:avLst/>
+          </a:prstGeom>
+          <a:noFill/>
+          <a:ln w="25400">
+            <a:noFill/>
+            <a:miter lim="800000"/>
+            <a:headEnd/>
+            <a:tailEnd/>
+          </a:ln>
+          <a:effectLst/>
+        </p:spPr>
+        <p:txBody>
+          <a:bodyPr wrap="square" lIns="67866" tIns="33338" rIns="67866" bIns="33338">
+            <a:prstTxWarp prst="textNoShape">
+              <a:avLst/>
+            </a:prstTxWarp>
+            <a:spAutoFit/>
+          </a:bodyPr>
+          <a:lstStyle/>
+          <a:p>
+            <a:pPr defTabSz="685800" eaLnBrk="0" fontAlgn="base" hangingPunct="0">
+              <a:spcBef>
+                <a:spcPct val="0"/>
+              </a:spcBef>
+              <a:spcAft>
+                <a:spcPct val="0"/>
+              </a:spcAft>
+              <a:buFontTx/>
+              <a:buChar char="•"/>
+            </a:pPr>
+            <a:r>
+              <a:rPr lang="en-US" sz="2000" dirty="0">
+                <a:solidFill>
+                  <a:srgbClr val="000000"/>
+                </a:solidFill>
+                <a:latin typeface="Calibri"/>
+                <a:cs typeface="Calibri"/>
+              </a:rPr>
+              <a:t> Capacity:  </a:t>
+            </a:r>
+            <a:r>
+              <a:rPr lang="en-US" altLang="zh-CN" sz="2000" dirty="0">
+                <a:solidFill>
+                  <a:srgbClr val="000000"/>
+                </a:solidFill>
+                <a:latin typeface="Calibri"/>
+                <a:cs typeface="Calibri"/>
+              </a:rPr>
+              <a:t>cache (typically on-chip) </a:t>
+            </a:r>
+            <a:r>
+              <a:rPr lang="en-US" sz="2000" dirty="0">
+                <a:solidFill>
+                  <a:srgbClr val="000000"/>
+                </a:solidFill>
+                <a:latin typeface="Calibri"/>
+                <a:cs typeface="Calibri"/>
+              </a:rPr>
+              <a:t>&lt;&lt; memory (off-chip)</a:t>
+            </a:r>
+          </a:p>
+          <a:p>
+            <a:pPr defTabSz="685800" eaLnBrk="0" fontAlgn="base" hangingPunct="0">
+              <a:spcBef>
+                <a:spcPct val="0"/>
+              </a:spcBef>
+              <a:spcAft>
+                <a:spcPct val="0"/>
+              </a:spcAft>
+              <a:buFontTx/>
+              <a:buChar char="•"/>
+            </a:pPr>
+            <a:r>
+              <a:rPr lang="en-US" sz="2000" dirty="0">
+                <a:solidFill>
+                  <a:srgbClr val="000000"/>
+                </a:solidFill>
+                <a:latin typeface="Calibri"/>
+                <a:cs typeface="Calibri"/>
+              </a:rPr>
+              <a:t> Latency:   cache </a:t>
+            </a:r>
+            <a:r>
+              <a:rPr lang="en-US" altLang="zh-CN" sz="2000" dirty="0">
+                <a:solidFill>
+                  <a:srgbClr val="000000"/>
+                </a:solidFill>
+                <a:latin typeface="Calibri"/>
+                <a:cs typeface="Calibri"/>
+              </a:rPr>
+              <a:t>(typically on-chip) </a:t>
+            </a:r>
+            <a:r>
+              <a:rPr lang="en-US" sz="2000" dirty="0">
+                <a:solidFill>
+                  <a:srgbClr val="000000"/>
+                </a:solidFill>
+                <a:latin typeface="Calibri"/>
+                <a:cs typeface="Calibri"/>
+              </a:rPr>
+              <a:t>&lt;&lt; memory (off-chip)</a:t>
+            </a:r>
+          </a:p>
+          <a:p>
+            <a:pPr lvl="1" defTabSz="685800" eaLnBrk="0" fontAlgn="base" hangingPunct="0">
+              <a:spcBef>
+                <a:spcPct val="0"/>
+              </a:spcBef>
+              <a:spcAft>
+                <a:spcPct val="0"/>
+              </a:spcAft>
+            </a:pPr>
+            <a:endParaRPr lang="en-US" sz="1100" dirty="0">
+              <a:solidFill>
+                <a:srgbClr val="000000"/>
+              </a:solidFill>
+              <a:latin typeface="Verdana" charset="0"/>
+            </a:endParaRPr>
+          </a:p>
+          <a:p>
+            <a:pPr defTabSz="685800" eaLnBrk="0" fontAlgn="base" hangingPunct="0">
+              <a:spcBef>
+                <a:spcPct val="0"/>
+              </a:spcBef>
+              <a:spcAft>
+                <a:spcPct val="0"/>
+              </a:spcAft>
+            </a:pPr>
+            <a:r>
+              <a:rPr lang="en-US" sz="2000" dirty="0">
+                <a:solidFill>
+                  <a:srgbClr val="000000"/>
+                </a:solidFill>
+                <a:latin typeface="Calibri"/>
+                <a:cs typeface="Calibri"/>
+              </a:rPr>
+              <a:t>On a data access:</a:t>
+            </a:r>
+          </a:p>
+          <a:p>
+            <a:pPr defTabSz="685800" eaLnBrk="0" fontAlgn="base" hangingPunct="0">
+              <a:spcBef>
+                <a:spcPct val="0"/>
+              </a:spcBef>
+              <a:spcAft>
+                <a:spcPct val="0"/>
+              </a:spcAft>
+            </a:pPr>
+            <a:r>
+              <a:rPr lang="en-US" sz="2000" dirty="0">
+                <a:solidFill>
+                  <a:srgbClr val="56127A"/>
+                </a:solidFill>
+                <a:latin typeface="Calibri"/>
+                <a:cs typeface="Calibri"/>
+              </a:rPr>
+              <a:t>if data </a:t>
+            </a:r>
+            <a:r>
+              <a:rPr lang="en-US" sz="2000" dirty="0">
+                <a:solidFill>
+                  <a:srgbClr val="56127A"/>
+                </a:solidFill>
+                <a:latin typeface="Symbol" charset="2"/>
+              </a:rPr>
+              <a:t>Î</a:t>
+            </a:r>
+            <a:r>
+              <a:rPr lang="en-US" sz="2000" dirty="0">
+                <a:solidFill>
+                  <a:srgbClr val="56127A"/>
+                </a:solidFill>
+                <a:latin typeface="Verdana" charset="0"/>
+              </a:rPr>
+              <a:t> </a:t>
+            </a:r>
+            <a:r>
+              <a:rPr lang="en-US" sz="2000" dirty="0">
+                <a:solidFill>
+                  <a:srgbClr val="56127A"/>
+                </a:solidFill>
+                <a:latin typeface="Calibri"/>
+                <a:cs typeface="Calibri"/>
+              </a:rPr>
+              <a:t>cache </a:t>
+            </a:r>
+            <a:r>
+              <a:rPr lang="en-US" sz="2000" dirty="0">
+                <a:solidFill>
+                  <a:srgbClr val="56127A"/>
+                </a:solidFill>
+                <a:latin typeface="Symbol" charset="2"/>
+              </a:rPr>
+              <a:t></a:t>
+            </a:r>
+            <a:r>
+              <a:rPr lang="en-US" sz="2000" dirty="0">
+                <a:solidFill>
+                  <a:srgbClr val="56127A"/>
+                </a:solidFill>
+                <a:latin typeface="Verdana" charset="0"/>
+              </a:rPr>
+              <a:t> </a:t>
+            </a:r>
+            <a:r>
+              <a:rPr lang="en-US" sz="2000" dirty="0">
+                <a:solidFill>
+                  <a:srgbClr val="56127A"/>
+                </a:solidFill>
+                <a:latin typeface="Calibri"/>
+                <a:cs typeface="Calibri"/>
+              </a:rPr>
+              <a:t>cache hit </a:t>
+            </a:r>
+            <a:r>
+              <a:rPr lang="en-US" sz="2000" dirty="0">
+                <a:solidFill>
+                  <a:srgbClr val="56127A"/>
+                </a:solidFill>
+                <a:latin typeface="Symbol" charset="2"/>
+              </a:rPr>
+              <a:t> </a:t>
+            </a:r>
+            <a:r>
+              <a:rPr lang="en-US" sz="2000" dirty="0">
+                <a:solidFill>
+                  <a:srgbClr val="56127A"/>
+                </a:solidFill>
+                <a:latin typeface="Calibri"/>
+                <a:cs typeface="Calibri"/>
+              </a:rPr>
+              <a:t>low latency access (SRAM)</a:t>
+            </a:r>
+          </a:p>
+          <a:p>
+            <a:pPr defTabSz="685800" eaLnBrk="0" fontAlgn="base" hangingPunct="0">
+              <a:spcBef>
+                <a:spcPct val="0"/>
+              </a:spcBef>
+              <a:spcAft>
+                <a:spcPct val="0"/>
+              </a:spcAft>
+            </a:pPr>
+            <a:r>
+              <a:rPr lang="en-US" sz="2000" dirty="0">
+                <a:solidFill>
+                  <a:srgbClr val="56127A"/>
+                </a:solidFill>
+                <a:latin typeface="Calibri"/>
+                <a:cs typeface="Calibri"/>
+              </a:rPr>
+              <a:t>if data </a:t>
+            </a:r>
+            <a:r>
+              <a:rPr lang="en-US" sz="2000" dirty="0">
+                <a:solidFill>
+                  <a:srgbClr val="56127A"/>
+                </a:solidFill>
+                <a:latin typeface="Symbol" charset="2"/>
+              </a:rPr>
+              <a:t>Ï</a:t>
+            </a:r>
+            <a:r>
+              <a:rPr lang="en-US" sz="2000" dirty="0">
+                <a:solidFill>
+                  <a:srgbClr val="56127A"/>
+                </a:solidFill>
+                <a:latin typeface="Verdana" charset="0"/>
+              </a:rPr>
+              <a:t> </a:t>
+            </a:r>
+            <a:r>
+              <a:rPr lang="en-US" sz="2000" dirty="0">
+                <a:solidFill>
+                  <a:srgbClr val="56127A"/>
+                </a:solidFill>
+                <a:latin typeface="Calibri"/>
+                <a:cs typeface="Calibri"/>
+              </a:rPr>
+              <a:t>cache </a:t>
+            </a:r>
+            <a:r>
+              <a:rPr lang="en-US" sz="2000" dirty="0">
+                <a:solidFill>
+                  <a:srgbClr val="56127A"/>
+                </a:solidFill>
+                <a:latin typeface="Symbol" charset="2"/>
+              </a:rPr>
+              <a:t></a:t>
+            </a:r>
+            <a:r>
+              <a:rPr lang="en-US" sz="2000" dirty="0">
+                <a:solidFill>
+                  <a:srgbClr val="56127A"/>
+                </a:solidFill>
+                <a:latin typeface="Verdana" charset="0"/>
+              </a:rPr>
+              <a:t> </a:t>
+            </a:r>
+            <a:r>
+              <a:rPr lang="en-US" sz="2000" dirty="0">
+                <a:solidFill>
+                  <a:srgbClr val="56127A"/>
+                </a:solidFill>
+                <a:latin typeface="Calibri"/>
+                <a:cs typeface="Calibri"/>
+              </a:rPr>
+              <a:t>cache miss </a:t>
+            </a:r>
+            <a:r>
+              <a:rPr lang="en-US" sz="2000" dirty="0">
+                <a:solidFill>
+                  <a:srgbClr val="56127A"/>
+                </a:solidFill>
+                <a:latin typeface="Symbol" charset="2"/>
+              </a:rPr>
+              <a:t> </a:t>
+            </a:r>
+            <a:r>
+              <a:rPr lang="en-US" sz="2000" dirty="0">
+                <a:solidFill>
+                  <a:srgbClr val="56127A"/>
+                </a:solidFill>
+                <a:latin typeface="Calibri"/>
+                <a:cs typeface="Calibri"/>
+              </a:rPr>
+              <a:t>high latency access (DRAM)</a:t>
+            </a:r>
+          </a:p>
+          <a:p>
+            <a:pPr marL="0" lvl="1" defTabSz="685800" eaLnBrk="0" fontAlgn="base" hangingPunct="0">
+              <a:spcBef>
+                <a:spcPct val="0"/>
+              </a:spcBef>
+              <a:spcAft>
+                <a:spcPct val="0"/>
+              </a:spcAft>
+            </a:pPr>
+            <a:r>
+              <a:rPr lang="en-US" altLang="zh-CN" sz="2000" dirty="0">
+                <a:solidFill>
+                  <a:srgbClr val="000000"/>
+                </a:solidFill>
+                <a:latin typeface="Calibri"/>
+                <a:cs typeface="Calibri"/>
+              </a:rPr>
+              <a:t>Goal: </a:t>
+            </a:r>
+            <a:r>
+              <a:rPr lang="en-US" sz="2000" dirty="0">
+                <a:solidFill>
+                  <a:srgbClr val="000000"/>
+                </a:solidFill>
+                <a:latin typeface="Calibri"/>
+                <a:cs typeface="Calibri"/>
+              </a:rPr>
+              <a:t>create the illusion of accessing as much memory as is available in the slow memory at the speed of the fast cache</a:t>
+            </a:r>
+          </a:p>
+        </p:txBody>
+      </p:sp>
+      <p:pic>
+        <p:nvPicPr>
+          <p:cNvPr id="1026" name="Picture 2">
+            <a:extLst>
+              <a:ext uri="{FF2B5EF4-FFF2-40B4-BE49-F238E27FC236}">
+                <a16:creationId xmlns:a16="http://schemas.microsoft.com/office/drawing/2014/main" id="{30A6D297-A71F-49CA-A816-F96E1DF27DDA}"/>
+              </a:ext>
+            </a:extLst>
+          </p:cNvPr>
+          <p:cNvPicPr>
+            <a:picLocks noChangeAspect="1" noChangeArrowheads="1"/>
+          </p:cNvPicPr>
+          <p:nvPr/>
+        </p:nvPicPr>
+        <p:blipFill>
+          <a:blip r:embed="rId3">
+            <a:extLst>
+              <a:ext uri="{28A0092B-C50C-407E-A947-70E740481C1C}">
+                <a14:useLocalDpi xmlns:a14="http://schemas.microsoft.com/office/drawing/2010/main" val="0"/>
+              </a:ext>
+            </a:extLst>
+          </a:blip>
+          <a:srcRect/>
+          <a:stretch>
+            <a:fillRect/>
+          </a:stretch>
+        </p:blipFill>
+        <p:spPr bwMode="auto">
+          <a:xfrm>
+            <a:off x="110480" y="1052736"/>
+            <a:ext cx="5000625" cy="5362575"/>
+          </a:xfrm>
+          <a:prstGeom prst="rect">
+            <a:avLst/>
+          </a:prstGeom>
+          <a:noFill/>
+          <a:extLst>
+            <a:ext uri="{909E8E84-426E-40DD-AFC4-6F175D3DCCD1}">
+              <a14:hiddenFill xmlns:a14="http://schemas.microsoft.com/office/drawing/2010/main">
+                <a:solidFill>
+                  <a:srgbClr val="FFFFFF"/>
+                </a:solidFill>
+              </a14:hiddenFill>
+            </a:ext>
+          </a:extLst>
+        </p:spPr>
+      </p:pic>
+    </p:spTree>
+    <p:extLst>
+      <p:ext uri="{BB962C8B-B14F-4D97-AF65-F5344CB8AC3E}">
+        <p14:creationId xmlns:p14="http://schemas.microsoft.com/office/powerpoint/2010/main" val="2893159094"/>
+      </p:ext>
+    </p:extLst>
+  </p:cSld>
+  <p:clrMapOvr>
+    <a:masterClrMapping/>
+  </p:clrMapOvr>
+  <p:transition/>
+</p:sld>
+</file>
+
+<file path=ppt/slides/slide30.xml><?xml version="1.0" encoding="utf-8"?>
 <p:sld xmlns:a="http://schemas.openxmlformats.org/drawingml/2006/main" xmlns:r="http://schemas.openxmlformats.org/officeDocument/2006/relationships" xmlns:p="http://schemas.openxmlformats.org/presentationml/2006/main">
   <p:cSld>
     <p:spTree>
@@ -20106,484 +20832,7 @@
 </p:sld>
 </file>
 
-<file path=ppt/slides/slide3.xml><?xml version="1.0" encoding="utf-8"?>
-<p:sld xmlns:a="http://schemas.openxmlformats.org/drawingml/2006/main" xmlns:r="http://schemas.openxmlformats.org/officeDocument/2006/relationships" xmlns:p="http://schemas.openxmlformats.org/presentationml/2006/main">
-  <p:cSld>
-    <p:spTree>
-      <p:nvGrpSpPr>
-        <p:cNvPr id="1" name=""/>
-        <p:cNvGrpSpPr/>
-        <p:nvPr/>
-      </p:nvGrpSpPr>
-      <p:grpSpPr>
-        <a:xfrm>
-          <a:off x="0" y="0"/>
-          <a:ext cx="0" cy="0"/>
-          <a:chOff x="0" y="0"/>
-          <a:chExt cx="0" cy="0"/>
-        </a:xfrm>
-      </p:grpSpPr>
-      <p:sp>
-        <p:nvSpPr>
-          <p:cNvPr id="1426434" name="Rectangle 2"/>
-          <p:cNvSpPr>
-            <a:spLocks noGrp="1" noChangeArrowheads="1"/>
-          </p:cNvSpPr>
-          <p:nvPr>
-            <p:ph type="title"/>
-          </p:nvPr>
-        </p:nvSpPr>
-        <p:spPr/>
-        <p:txBody>
-          <a:bodyPr>
-            <a:normAutofit/>
-          </a:bodyPr>
-          <a:lstStyle/>
-          <a:p>
-            <a:r>
-              <a:rPr lang="en-US" sz="3600" dirty="0"/>
-              <a:t>Memory Hierarchy</a:t>
-            </a:r>
-          </a:p>
-        </p:txBody>
-      </p:sp>
-      <p:sp>
-        <p:nvSpPr>
-          <p:cNvPr id="1426436" name="Rectangle 4"/>
-          <p:cNvSpPr>
-            <a:spLocks noChangeArrowheads="1"/>
-          </p:cNvSpPr>
-          <p:nvPr/>
-        </p:nvSpPr>
-        <p:spPr bwMode="auto">
-          <a:xfrm>
-            <a:off x="5220072" y="1700808"/>
-            <a:ext cx="3923928" cy="4237700"/>
-          </a:xfrm>
-          <a:prstGeom prst="rect">
-            <a:avLst/>
-          </a:prstGeom>
-          <a:noFill/>
-          <a:ln w="25400">
-            <a:noFill/>
-            <a:miter lim="800000"/>
-            <a:headEnd/>
-            <a:tailEnd/>
-          </a:ln>
-          <a:effectLst/>
-        </p:spPr>
-        <p:txBody>
-          <a:bodyPr wrap="square" lIns="67866" tIns="33338" rIns="67866" bIns="33338">
-            <a:prstTxWarp prst="textNoShape">
-              <a:avLst/>
-            </a:prstTxWarp>
-            <a:spAutoFit/>
-          </a:bodyPr>
-          <a:lstStyle/>
-          <a:p>
-            <a:pPr defTabSz="685800" eaLnBrk="0" fontAlgn="base" hangingPunct="0">
-              <a:spcBef>
-                <a:spcPct val="0"/>
-              </a:spcBef>
-              <a:spcAft>
-                <a:spcPct val="0"/>
-              </a:spcAft>
-              <a:buFontTx/>
-              <a:buChar char="•"/>
-            </a:pPr>
-            <a:r>
-              <a:rPr lang="en-US" sz="2000" dirty="0">
-                <a:solidFill>
-                  <a:srgbClr val="000000"/>
-                </a:solidFill>
-                <a:latin typeface="Calibri"/>
-                <a:cs typeface="Calibri"/>
-              </a:rPr>
-              <a:t> Capacity:  </a:t>
-            </a:r>
-            <a:r>
-              <a:rPr lang="en-US" altLang="zh-CN" sz="2000" dirty="0">
-                <a:solidFill>
-                  <a:srgbClr val="000000"/>
-                </a:solidFill>
-                <a:latin typeface="Calibri"/>
-                <a:cs typeface="Calibri"/>
-              </a:rPr>
-              <a:t>cache (typically on-chip) </a:t>
-            </a:r>
-            <a:r>
-              <a:rPr lang="en-US" sz="2000" dirty="0">
-                <a:solidFill>
-                  <a:srgbClr val="000000"/>
-                </a:solidFill>
-                <a:latin typeface="Calibri"/>
-                <a:cs typeface="Calibri"/>
-              </a:rPr>
-              <a:t>&lt;&lt; memory (off-chip)</a:t>
-            </a:r>
-          </a:p>
-          <a:p>
-            <a:pPr defTabSz="685800" eaLnBrk="0" fontAlgn="base" hangingPunct="0">
-              <a:spcBef>
-                <a:spcPct val="0"/>
-              </a:spcBef>
-              <a:spcAft>
-                <a:spcPct val="0"/>
-              </a:spcAft>
-              <a:buFontTx/>
-              <a:buChar char="•"/>
-            </a:pPr>
-            <a:r>
-              <a:rPr lang="en-US" sz="2000" dirty="0">
-                <a:solidFill>
-                  <a:srgbClr val="000000"/>
-                </a:solidFill>
-                <a:latin typeface="Calibri"/>
-                <a:cs typeface="Calibri"/>
-              </a:rPr>
-              <a:t> Latency:   cache </a:t>
-            </a:r>
-            <a:r>
-              <a:rPr lang="en-US" altLang="zh-CN" sz="2000" dirty="0">
-                <a:solidFill>
-                  <a:srgbClr val="000000"/>
-                </a:solidFill>
-                <a:latin typeface="Calibri"/>
-                <a:cs typeface="Calibri"/>
-              </a:rPr>
-              <a:t>(typically on-chip) </a:t>
-            </a:r>
-            <a:r>
-              <a:rPr lang="en-US" sz="2000" dirty="0">
-                <a:solidFill>
-                  <a:srgbClr val="000000"/>
-                </a:solidFill>
-                <a:latin typeface="Calibri"/>
-                <a:cs typeface="Calibri"/>
-              </a:rPr>
-              <a:t>&lt;&lt; memory (off-chip)</a:t>
-            </a:r>
-          </a:p>
-          <a:p>
-            <a:pPr lvl="1" defTabSz="685800" eaLnBrk="0" fontAlgn="base" hangingPunct="0">
-              <a:spcBef>
-                <a:spcPct val="0"/>
-              </a:spcBef>
-              <a:spcAft>
-                <a:spcPct val="0"/>
-              </a:spcAft>
-            </a:pPr>
-            <a:endParaRPr lang="en-US" sz="1100" dirty="0">
-              <a:solidFill>
-                <a:srgbClr val="000000"/>
-              </a:solidFill>
-              <a:latin typeface="Verdana" charset="0"/>
-            </a:endParaRPr>
-          </a:p>
-          <a:p>
-            <a:pPr defTabSz="685800" eaLnBrk="0" fontAlgn="base" hangingPunct="0">
-              <a:spcBef>
-                <a:spcPct val="0"/>
-              </a:spcBef>
-              <a:spcAft>
-                <a:spcPct val="0"/>
-              </a:spcAft>
-            </a:pPr>
-            <a:r>
-              <a:rPr lang="en-US" sz="2000" dirty="0">
-                <a:solidFill>
-                  <a:srgbClr val="000000"/>
-                </a:solidFill>
-                <a:latin typeface="Calibri"/>
-                <a:cs typeface="Calibri"/>
-              </a:rPr>
-              <a:t>On a data access:</a:t>
-            </a:r>
-          </a:p>
-          <a:p>
-            <a:pPr defTabSz="685800" eaLnBrk="0" fontAlgn="base" hangingPunct="0">
-              <a:spcBef>
-                <a:spcPct val="0"/>
-              </a:spcBef>
-              <a:spcAft>
-                <a:spcPct val="0"/>
-              </a:spcAft>
-            </a:pPr>
-            <a:r>
-              <a:rPr lang="en-US" sz="2000" dirty="0">
-                <a:solidFill>
-                  <a:srgbClr val="56127A"/>
-                </a:solidFill>
-                <a:latin typeface="Calibri"/>
-                <a:cs typeface="Calibri"/>
-              </a:rPr>
-              <a:t>if data </a:t>
-            </a:r>
-            <a:r>
-              <a:rPr lang="en-US" sz="2000" dirty="0">
-                <a:solidFill>
-                  <a:srgbClr val="56127A"/>
-                </a:solidFill>
-                <a:latin typeface="Symbol" charset="2"/>
-              </a:rPr>
-              <a:t>Î</a:t>
-            </a:r>
-            <a:r>
-              <a:rPr lang="en-US" sz="2000" dirty="0">
-                <a:solidFill>
-                  <a:srgbClr val="56127A"/>
-                </a:solidFill>
-                <a:latin typeface="Verdana" charset="0"/>
-              </a:rPr>
-              <a:t> </a:t>
-            </a:r>
-            <a:r>
-              <a:rPr lang="en-US" sz="2000" dirty="0">
-                <a:solidFill>
-                  <a:srgbClr val="56127A"/>
-                </a:solidFill>
-                <a:latin typeface="Calibri"/>
-                <a:cs typeface="Calibri"/>
-              </a:rPr>
-              <a:t>cache </a:t>
-            </a:r>
-            <a:r>
-              <a:rPr lang="en-US" sz="2000" dirty="0">
-                <a:solidFill>
-                  <a:srgbClr val="56127A"/>
-                </a:solidFill>
-                <a:latin typeface="Symbol" charset="2"/>
-              </a:rPr>
-              <a:t></a:t>
-            </a:r>
-            <a:r>
-              <a:rPr lang="en-US" sz="2000" dirty="0">
-                <a:solidFill>
-                  <a:srgbClr val="56127A"/>
-                </a:solidFill>
-                <a:latin typeface="Verdana" charset="0"/>
-              </a:rPr>
-              <a:t> </a:t>
-            </a:r>
-            <a:r>
-              <a:rPr lang="en-US" sz="2000" dirty="0">
-                <a:solidFill>
-                  <a:srgbClr val="56127A"/>
-                </a:solidFill>
-                <a:latin typeface="Calibri"/>
-                <a:cs typeface="Calibri"/>
-              </a:rPr>
-              <a:t>cache hit </a:t>
-            </a:r>
-            <a:r>
-              <a:rPr lang="en-US" sz="2000" dirty="0">
-                <a:solidFill>
-                  <a:srgbClr val="56127A"/>
-                </a:solidFill>
-                <a:latin typeface="Symbol" charset="2"/>
-              </a:rPr>
-              <a:t> </a:t>
-            </a:r>
-            <a:r>
-              <a:rPr lang="en-US" sz="2000" dirty="0">
-                <a:solidFill>
-                  <a:srgbClr val="56127A"/>
-                </a:solidFill>
-                <a:latin typeface="Calibri"/>
-                <a:cs typeface="Calibri"/>
-              </a:rPr>
-              <a:t>low latency access (SRAM)</a:t>
-            </a:r>
-          </a:p>
-          <a:p>
-            <a:pPr defTabSz="685800" eaLnBrk="0" fontAlgn="base" hangingPunct="0">
-              <a:spcBef>
-                <a:spcPct val="0"/>
-              </a:spcBef>
-              <a:spcAft>
-                <a:spcPct val="0"/>
-              </a:spcAft>
-            </a:pPr>
-            <a:r>
-              <a:rPr lang="en-US" sz="2000" dirty="0">
-                <a:solidFill>
-                  <a:srgbClr val="56127A"/>
-                </a:solidFill>
-                <a:latin typeface="Calibri"/>
-                <a:cs typeface="Calibri"/>
-              </a:rPr>
-              <a:t>if data </a:t>
-            </a:r>
-            <a:r>
-              <a:rPr lang="en-US" sz="2000" dirty="0">
-                <a:solidFill>
-                  <a:srgbClr val="56127A"/>
-                </a:solidFill>
-                <a:latin typeface="Symbol" charset="2"/>
-              </a:rPr>
-              <a:t>Ï</a:t>
-            </a:r>
-            <a:r>
-              <a:rPr lang="en-US" sz="2000" dirty="0">
-                <a:solidFill>
-                  <a:srgbClr val="56127A"/>
-                </a:solidFill>
-                <a:latin typeface="Verdana" charset="0"/>
-              </a:rPr>
-              <a:t> </a:t>
-            </a:r>
-            <a:r>
-              <a:rPr lang="en-US" sz="2000" dirty="0">
-                <a:solidFill>
-                  <a:srgbClr val="56127A"/>
-                </a:solidFill>
-                <a:latin typeface="Calibri"/>
-                <a:cs typeface="Calibri"/>
-              </a:rPr>
-              <a:t>cache </a:t>
-            </a:r>
-            <a:r>
-              <a:rPr lang="en-US" sz="2000" dirty="0">
-                <a:solidFill>
-                  <a:srgbClr val="56127A"/>
-                </a:solidFill>
-                <a:latin typeface="Symbol" charset="2"/>
-              </a:rPr>
-              <a:t></a:t>
-            </a:r>
-            <a:r>
-              <a:rPr lang="en-US" sz="2000" dirty="0">
-                <a:solidFill>
-                  <a:srgbClr val="56127A"/>
-                </a:solidFill>
-                <a:latin typeface="Verdana" charset="0"/>
-              </a:rPr>
-              <a:t> </a:t>
-            </a:r>
-            <a:r>
-              <a:rPr lang="en-US" sz="2000" dirty="0">
-                <a:solidFill>
-                  <a:srgbClr val="56127A"/>
-                </a:solidFill>
-                <a:latin typeface="Calibri"/>
-                <a:cs typeface="Calibri"/>
-              </a:rPr>
-              <a:t>cache miss </a:t>
-            </a:r>
-            <a:r>
-              <a:rPr lang="en-US" sz="2000" dirty="0">
-                <a:solidFill>
-                  <a:srgbClr val="56127A"/>
-                </a:solidFill>
-                <a:latin typeface="Symbol" charset="2"/>
-              </a:rPr>
-              <a:t> </a:t>
-            </a:r>
-            <a:r>
-              <a:rPr lang="en-US" sz="2000" dirty="0">
-                <a:solidFill>
-                  <a:srgbClr val="56127A"/>
-                </a:solidFill>
-                <a:latin typeface="Calibri"/>
-                <a:cs typeface="Calibri"/>
-              </a:rPr>
-              <a:t>high latency access (DRAM)</a:t>
-            </a:r>
-          </a:p>
-          <a:p>
-            <a:pPr marL="0" lvl="1" defTabSz="685800" eaLnBrk="0" fontAlgn="base" hangingPunct="0">
-              <a:spcBef>
-                <a:spcPct val="0"/>
-              </a:spcBef>
-              <a:spcAft>
-                <a:spcPct val="0"/>
-              </a:spcAft>
-            </a:pPr>
-            <a:r>
-              <a:rPr lang="en-US" altLang="zh-CN" sz="2000" dirty="0">
-                <a:solidFill>
-                  <a:srgbClr val="000000"/>
-                </a:solidFill>
-                <a:latin typeface="Calibri"/>
-                <a:cs typeface="Calibri"/>
-              </a:rPr>
-              <a:t>Goal: </a:t>
-            </a:r>
-            <a:r>
-              <a:rPr lang="en-US" sz="2000" dirty="0">
-                <a:solidFill>
-                  <a:srgbClr val="000000"/>
-                </a:solidFill>
-                <a:latin typeface="Calibri"/>
-                <a:cs typeface="Calibri"/>
-              </a:rPr>
-              <a:t>create the illusion of accessing as much memory as is available in the slow memory at the speed of the fast cache</a:t>
-            </a:r>
-          </a:p>
-        </p:txBody>
-      </p:sp>
-      <p:pic>
-        <p:nvPicPr>
-          <p:cNvPr id="1026" name="Picture 2">
-            <a:extLst>
-              <a:ext uri="{FF2B5EF4-FFF2-40B4-BE49-F238E27FC236}">
-                <a16:creationId xmlns:a16="http://schemas.microsoft.com/office/drawing/2014/main" id="{30A6D297-A71F-49CA-A816-F96E1DF27DDA}"/>
-              </a:ext>
-            </a:extLst>
-          </p:cNvPr>
-          <p:cNvPicPr>
-            <a:picLocks noChangeAspect="1" noChangeArrowheads="1"/>
-          </p:cNvPicPr>
-          <p:nvPr/>
-        </p:nvPicPr>
-        <p:blipFill>
-          <a:blip r:embed="rId3">
-            <a:extLst>
-              <a:ext uri="{28A0092B-C50C-407E-A947-70E740481C1C}">
-                <a14:useLocalDpi xmlns:a14="http://schemas.microsoft.com/office/drawing/2010/main" val="0"/>
-              </a:ext>
-            </a:extLst>
-          </a:blip>
-          <a:srcRect/>
-          <a:stretch>
-            <a:fillRect/>
-          </a:stretch>
-        </p:blipFill>
-        <p:spPr bwMode="auto">
-          <a:xfrm>
-            <a:off x="110480" y="1052736"/>
-            <a:ext cx="5000625" cy="5362575"/>
-          </a:xfrm>
-          <a:prstGeom prst="rect">
-            <a:avLst/>
-          </a:prstGeom>
-          <a:noFill/>
-          <a:extLst>
-            <a:ext uri="{909E8E84-426E-40DD-AFC4-6F175D3DCCD1}">
-              <a14:hiddenFill xmlns:a14="http://schemas.microsoft.com/office/drawing/2010/main">
-                <a:solidFill>
-                  <a:srgbClr val="FFFFFF"/>
-                </a:solidFill>
-              </a14:hiddenFill>
-            </a:ext>
-          </a:extLst>
-        </p:spPr>
-      </p:pic>
-    </p:spTree>
-    <p:extLst>
-      <p:ext uri="{BB962C8B-B14F-4D97-AF65-F5344CB8AC3E}">
-        <p14:creationId xmlns:p14="http://schemas.microsoft.com/office/powerpoint/2010/main" val="2893159094"/>
-      </p:ext>
-    </p:extLst>
-  </p:cSld>
-  <p:clrMapOvr>
-    <a:masterClrMapping/>
-  </p:clrMapOvr>
-  <p:transition/>
-</p:sld>
-</file>
-
-<file path=ppt/slides/slide30.xml><?xml version="1.0" encoding="utf-8"?>
+<file path=ppt/slides/slide31.xml><?xml version="1.0" encoding="utf-8"?>
 <p:sld xmlns:a="http://schemas.openxmlformats.org/drawingml/2006/main" xmlns:r="http://schemas.openxmlformats.org/officeDocument/2006/relationships" xmlns:p="http://schemas.openxmlformats.org/presentationml/2006/main">
   <p:cSld>
     <p:spTree>
@@ -20861,7 +21110,7 @@
 </p:sld>
 </file>
 
-<file path=ppt/slides/slide31.xml><?xml version="1.0" encoding="utf-8"?>
+<file path=ppt/slides/slide32.xml><?xml version="1.0" encoding="utf-8"?>
 <p:sld xmlns:a="http://schemas.openxmlformats.org/drawingml/2006/main" xmlns:r="http://schemas.openxmlformats.org/officeDocument/2006/relationships" xmlns:p="http://schemas.openxmlformats.org/presentationml/2006/main">
   <p:cSld>
     <p:spTree>
@@ -21110,7 +21359,7 @@
 </p:sld>
 </file>
 
-<file path=ppt/slides/slide32.xml><?xml version="1.0" encoding="utf-8"?>
+<file path=ppt/slides/slide33.xml><?xml version="1.0" encoding="utf-8"?>
 <p:sld xmlns:a="http://schemas.openxmlformats.org/drawingml/2006/main" xmlns:r="http://schemas.openxmlformats.org/officeDocument/2006/relationships" xmlns:p="http://schemas.openxmlformats.org/presentationml/2006/main">
   <p:cSld>
     <p:spTree>

--- a/AdvOS/PPT+papers/L03-Meltdown&Spectre.pptx
+++ b/AdvOS/PPT+papers/L03-Meltdown&Spectre.pptx
@@ -4695,7 +4695,7 @@
           <a:p>
             <a:r>
               <a:rPr lang="en-US" altLang="zh-CN" dirty="0"/>
-              <a:t>Each memory page is 4KB (STEP=4096 Bytes); Each cache block is 64 Bytes.</a:t>
+              <a:t>Each memory page is 4KB (STEP=4096 Bytes); Each cache block is 64 Bytes. 4096&gt;&gt;64.</a:t>
             </a:r>
           </a:p>
           <a:p>
@@ -8297,8 +8297,8 @@
           </a:prstGeom>
         </p:spPr>
       </p:pic>
-      <mc:AlternateContent xmlns:mc="http://schemas.openxmlformats.org/markup-compatibility/2006">
-        <mc:Choice xmlns:p14="http://schemas.microsoft.com/office/powerpoint/2010/main" Requires="p14">
+      <mc:AlternateContent xmlns:mc="http://schemas.openxmlformats.org/markup-compatibility/2006" xmlns:p14="http://schemas.microsoft.com/office/powerpoint/2010/main">
+        <mc:Choice Requires="p14">
           <p:contentPart p14:bwMode="auto" r:id="rId5">
             <p14:nvContentPartPr>
               <p14:cNvPr id="6" name="Ink 5"/>
@@ -8311,7 +8311,7 @@
             </p14:xfrm>
           </p:contentPart>
         </mc:Choice>
-        <mc:Fallback>
+        <mc:Fallback xmlns="">
           <p:pic>
             <p:nvPicPr>
               <p:cNvPr id="6" name="Ink 5"/>
@@ -9719,7 +9719,7 @@
             </a:pPr>
             <a:r>
               <a:rPr lang="en-US" sz="1600" dirty="0"/>
-              <a:t>A: Yes. Initially reset all lightbulbs to be off. Try many times to enter the room. If you get lucky and enter the room, see Bob’s secret 7, copy it into your memory by turning on lightbulb #7. The guard later finds out,  erases your memory and kicks you out. Once outside, you don’t remember the secret 7 since your memory has been erased, but you can see that lightbulb #7 is on, so you have stolen the secret 7.</a:t>
+              <a:t>A: Yes. Initially reset all lightbulbs to be off. Try many times to enter the room. If you get lucky and enter the room, see Bob’s secret 7, copy it into your memory, and turn on lightbulb #7. The guard later finds out,  erases your memory and kicks you out. Once outside, you don’t remember the secret 7 since your memory has been erased, but you can see that lightbulb #7 is on, so you have stolen the secret 7.</a:t>
             </a:r>
             <a:endParaRPr sz="1400" dirty="0"/>
           </a:p>
@@ -24073,8 +24073,8 @@
         </p:nvSpPr>
         <p:spPr>
           <a:xfrm>
-            <a:off x="215516" y="1193958"/>
-            <a:ext cx="8776084" cy="3891226"/>
+            <a:off x="215516" y="870386"/>
+            <a:ext cx="8776084" cy="4107250"/>
           </a:xfrm>
           <a:prstGeom prst="rect">
             <a:avLst/>
@@ -24242,9 +24242,18 @@
           <a:p>
             <a:r>
               <a:rPr lang="en-US" altLang="zh-CN" i="0" dirty="0">
+                <a:solidFill>
+                  <a:srgbClr val="FF0000"/>
+                </a:solidFill>
                 <a:latin typeface="+mj-lt"/>
               </a:rPr>
-              <a:t>Let the victim access element array[x∗STEP] to bring it into cache</a:t>
+              <a:t>Let the victim access </a:t>
+            </a:r>
+            <a:r>
+              <a:rPr lang="en-US" altLang="zh-CN" i="0" dirty="0">
+                <a:latin typeface="+mj-lt"/>
+              </a:rPr>
+              <a:t>element array[x∗STEP] to bring it into cache</a:t>
             </a:r>
             <a:endParaRPr lang="en-US" altLang="zh-CN" dirty="0"/>
           </a:p>
@@ -24294,7 +24303,7 @@
               <a:rPr lang="en-US" altLang="zh-CN" i="0" dirty="0">
                 <a:latin typeface="+mj-lt"/>
               </a:rPr>
-              <a:t>To mitigate the effect of cache prefetching, where multiple cache blocks are brought into cache upon a cache miss</a:t>
+              <a:t>Otherwise both may be brought into cache when accessing one of them; and to mitigate the effect of cache prefetching, where multiple cache blocks are brought into cache upon a cache miss</a:t>
             </a:r>
           </a:p>
           <a:p>
@@ -24439,7 +24448,7 @@
               <a:rPr lang="en-US" altLang="zh-CN" i="0" dirty="0">
                 <a:latin typeface="+mj-lt"/>
               </a:rPr>
-              <a:t>Suppose cache block size is 2 Bytes, STEP=6.</a:t>
+              <a:t>Suppose cache block size is 2 Bytes, STEP=6, N=5.</a:t>
             </a:r>
             <a:endParaRPr lang="en-US" altLang="zh-CN" dirty="0"/>
           </a:p>
@@ -24448,7 +24457,7 @@
               <a:rPr lang="en-US" altLang="zh-CN" i="0" dirty="0">
                 <a:latin typeface="+mj-lt"/>
               </a:rPr>
-              <a:t>Attacker constructs probing array a[5∗STEP]; Victim holds secret value x=2, and accesses a[2∗STEP]=a[12], causing cache block containing elements {a[12], a[13]} to be brought into cache. Attacker reloads 5 elements a[0],a[6],a[12],a[18],a[24], and finds out that only accessing a[12] is a cache hit, so he can deduce the secret x=12/STEP=2.</a:t>
+              <a:t>Attacker constructs probing array a[N∗STEP]; Victim holds secret value x=2, and accesses a[2∗STEP]=a[12], causing cache block containing elements {a[12], a[13]} to be brought into cache. Attacker reloads 5 elements a[0],a[6],a[12],a[18],a[24], and finds out that only accessing a[12] is a cache hit, so he can deduce the secret x=2.</a:t>
             </a:r>
             <a:endParaRPr lang="en-US" altLang="zh-CN" dirty="0"/>
           </a:p>
@@ -24467,7 +24476,7 @@
               <a:rPr lang="en-US" altLang="zh-CN" i="0" dirty="0">
                 <a:latin typeface="+mj-lt"/>
               </a:rPr>
-              <a:t>If the cache prefetching algorithm brings ≥4 blocks into the cache when accessing a[12], including a[3∗STEP]=a[18], then attacker cannot decide if x=2 or 3.</a:t>
+              <a:t>If cache prefetching brings ≥4 blocks into the cache when accessing a[12], including a[3∗STEP]=a[18], then attacker cannot decide if x=2 or 3.</a:t>
             </a:r>
             <a:endParaRPr lang="zh-CN" altLang="en-US" dirty="0"/>
           </a:p>
